--- a/data/template.pptx
+++ b/data/template.pptx
@@ -2,7 +2,7 @@
 <file path=ppt/presentation.xml><?xml version="1.0" encoding="utf-8"?>
 <p:presentation xmlns:a="http://schemas.openxmlformats.org/drawingml/2006/main" xmlns:r="http://schemas.openxmlformats.org/officeDocument/2006/relationships" xmlns:p="http://schemas.openxmlformats.org/presentationml/2006/main" saveSubsetFonts="1">
   <p:sldMasterIdLst>
-    <p:sldMasterId id="2147483648" r:id="rId1"/>
+    <p:sldMasterId id="2147483677" r:id="rId1"/>
   </p:sldMasterIdLst>
   <p:notesMasterIdLst>
     <p:notesMasterId r:id="rId4"/>
@@ -17,7 +17,7 @@
     <a:defPPr>
       <a:defRPr lang="en-US"/>
     </a:defPPr>
-    <a:lvl1pPr marL="0" algn="l" defTabSz="914400" rtl="0" eaLnBrk="1" latinLnBrk="0" hangingPunct="1">
+    <a:lvl1pPr marL="0" algn="l" defTabSz="457200" rtl="0" eaLnBrk="1" latinLnBrk="0" hangingPunct="1">
       <a:defRPr sz="1800" kern="1200">
         <a:solidFill>
           <a:schemeClr val="tx1"/>
@@ -27,7 +27,7 @@
         <a:cs typeface="+mn-cs"/>
       </a:defRPr>
     </a:lvl1pPr>
-    <a:lvl2pPr marL="457200" algn="l" defTabSz="914400" rtl="0" eaLnBrk="1" latinLnBrk="0" hangingPunct="1">
+    <a:lvl2pPr marL="457200" algn="l" defTabSz="457200" rtl="0" eaLnBrk="1" latinLnBrk="0" hangingPunct="1">
       <a:defRPr sz="1800" kern="1200">
         <a:solidFill>
           <a:schemeClr val="tx1"/>
@@ -37,7 +37,7 @@
         <a:cs typeface="+mn-cs"/>
       </a:defRPr>
     </a:lvl2pPr>
-    <a:lvl3pPr marL="914400" algn="l" defTabSz="914400" rtl="0" eaLnBrk="1" latinLnBrk="0" hangingPunct="1">
+    <a:lvl3pPr marL="914400" algn="l" defTabSz="457200" rtl="0" eaLnBrk="1" latinLnBrk="0" hangingPunct="1">
       <a:defRPr sz="1800" kern="1200">
         <a:solidFill>
           <a:schemeClr val="tx1"/>
@@ -47,7 +47,7 @@
         <a:cs typeface="+mn-cs"/>
       </a:defRPr>
     </a:lvl3pPr>
-    <a:lvl4pPr marL="1371600" algn="l" defTabSz="914400" rtl="0" eaLnBrk="1" latinLnBrk="0" hangingPunct="1">
+    <a:lvl4pPr marL="1371600" algn="l" defTabSz="457200" rtl="0" eaLnBrk="1" latinLnBrk="0" hangingPunct="1">
       <a:defRPr sz="1800" kern="1200">
         <a:solidFill>
           <a:schemeClr val="tx1"/>
@@ -57,7 +57,7 @@
         <a:cs typeface="+mn-cs"/>
       </a:defRPr>
     </a:lvl4pPr>
-    <a:lvl5pPr marL="1828800" algn="l" defTabSz="914400" rtl="0" eaLnBrk="1" latinLnBrk="0" hangingPunct="1">
+    <a:lvl5pPr marL="1828800" algn="l" defTabSz="457200" rtl="0" eaLnBrk="1" latinLnBrk="0" hangingPunct="1">
       <a:defRPr sz="1800" kern="1200">
         <a:solidFill>
           <a:schemeClr val="tx1"/>
@@ -67,7 +67,7 @@
         <a:cs typeface="+mn-cs"/>
       </a:defRPr>
     </a:lvl5pPr>
-    <a:lvl6pPr marL="2286000" algn="l" defTabSz="914400" rtl="0" eaLnBrk="1" latinLnBrk="0" hangingPunct="1">
+    <a:lvl6pPr marL="2286000" algn="l" defTabSz="457200" rtl="0" eaLnBrk="1" latinLnBrk="0" hangingPunct="1">
       <a:defRPr sz="1800" kern="1200">
         <a:solidFill>
           <a:schemeClr val="tx1"/>
@@ -77,7 +77,7 @@
         <a:cs typeface="+mn-cs"/>
       </a:defRPr>
     </a:lvl6pPr>
-    <a:lvl7pPr marL="2743200" algn="l" defTabSz="914400" rtl="0" eaLnBrk="1" latinLnBrk="0" hangingPunct="1">
+    <a:lvl7pPr marL="2743200" algn="l" defTabSz="457200" rtl="0" eaLnBrk="1" latinLnBrk="0" hangingPunct="1">
       <a:defRPr sz="1800" kern="1200">
         <a:solidFill>
           <a:schemeClr val="tx1"/>
@@ -87,7 +87,7 @@
         <a:cs typeface="+mn-cs"/>
       </a:defRPr>
     </a:lvl7pPr>
-    <a:lvl8pPr marL="3200400" algn="l" defTabSz="914400" rtl="0" eaLnBrk="1" latinLnBrk="0" hangingPunct="1">
+    <a:lvl8pPr marL="3200400" algn="l" defTabSz="457200" rtl="0" eaLnBrk="1" latinLnBrk="0" hangingPunct="1">
       <a:defRPr sz="1800" kern="1200">
         <a:solidFill>
           <a:schemeClr val="tx1"/>
@@ -97,7 +97,7 @@
         <a:cs typeface="+mn-cs"/>
       </a:defRPr>
     </a:lvl8pPr>
-    <a:lvl9pPr marL="3657600" algn="l" defTabSz="914400" rtl="0" eaLnBrk="1" latinLnBrk="0" hangingPunct="1">
+    <a:lvl9pPr marL="3657600" algn="l" defTabSz="457200" rtl="0" eaLnBrk="1" latinLnBrk="0" hangingPunct="1">
       <a:defRPr sz="1800" kern="1200">
         <a:solidFill>
           <a:schemeClr val="tx1"/>
@@ -114,6 +114,14 @@
     </p:ext>
   </p:extLst>
 </p:presentation>
+</file>
+
+<file path=ppt/revisionInfo.xml><?xml version="1.0" encoding="utf-8"?>
+<p1510:revInfo xmlns:a="http://schemas.openxmlformats.org/drawingml/2006/main" xmlns:r="http://schemas.openxmlformats.org/officeDocument/2006/relationships" xmlns:p1510="http://schemas.microsoft.com/office/powerpoint/2015/10/main">
+  <p1510:revLst>
+    <p1510:client id="{45CED174-FAF7-4A85-89E2-7E0A33F3C5AF}" v="2" dt="2022-08-08T15:13:50.008"/>
+  </p1510:revLst>
+</p1510:revInfo>
 </file>
 
 <file path=ppt/changesInfos/changesInfo1.xml><?xml version="1.0" encoding="utf-8"?>
@@ -421,37 +429,53 @@
   <pc:docChgLst>
     <pc:chgData name="Aviral Rana" userId="48d41bb6-ef1a-451a-8500-a5079c6bd9f6" providerId="ADAL" clId="{45CED174-FAF7-4A85-89E2-7E0A33F3C5AF}"/>
     <pc:docChg chg="addSld delSld modSld">
-      <pc:chgData name="Aviral Rana" userId="48d41bb6-ef1a-451a-8500-a5079c6bd9f6" providerId="ADAL" clId="{45CED174-FAF7-4A85-89E2-7E0A33F3C5AF}" dt="2022-08-08T10:15:33.199" v="29" actId="20577"/>
+      <pc:chgData name="Aviral Rana" userId="48d41bb6-ef1a-451a-8500-a5079c6bd9f6" providerId="ADAL" clId="{45CED174-FAF7-4A85-89E2-7E0A33F3C5AF}" dt="2022-08-08T15:13:50.007" v="38"/>
       <pc:docMkLst>
         <pc:docMk/>
       </pc:docMkLst>
       <pc:sldChg chg="modSp new mod">
-        <pc:chgData name="Aviral Rana" userId="48d41bb6-ef1a-451a-8500-a5079c6bd9f6" providerId="ADAL" clId="{45CED174-FAF7-4A85-89E2-7E0A33F3C5AF}" dt="2022-08-08T10:15:21.866" v="8" actId="20577"/>
+        <pc:chgData name="Aviral Rana" userId="48d41bb6-ef1a-451a-8500-a5079c6bd9f6" providerId="ADAL" clId="{45CED174-FAF7-4A85-89E2-7E0A33F3C5AF}" dt="2022-08-08T15:13:50.007" v="38"/>
         <pc:sldMkLst>
           <pc:docMk/>
           <pc:sldMk cId="2522444621" sldId="256"/>
         </pc:sldMkLst>
         <pc:spChg chg="mod">
-          <ac:chgData name="Aviral Rana" userId="48d41bb6-ef1a-451a-8500-a5079c6bd9f6" providerId="ADAL" clId="{45CED174-FAF7-4A85-89E2-7E0A33F3C5AF}" dt="2022-08-08T10:15:21.866" v="8" actId="20577"/>
+          <ac:chgData name="Aviral Rana" userId="48d41bb6-ef1a-451a-8500-a5079c6bd9f6" providerId="ADAL" clId="{45CED174-FAF7-4A85-89E2-7E0A33F3C5AF}" dt="2022-08-08T15:13:50.007" v="38"/>
           <ac:spMkLst>
             <pc:docMk/>
             <pc:sldMk cId="2522444621" sldId="256"/>
             <ac:spMk id="2" creationId="{B6B38141-2A7B-E33D-DF6E-2C93A5BE6CB3}"/>
           </ac:spMkLst>
         </pc:spChg>
+        <pc:spChg chg="mod">
+          <ac:chgData name="Aviral Rana" userId="48d41bb6-ef1a-451a-8500-a5079c6bd9f6" providerId="ADAL" clId="{45CED174-FAF7-4A85-89E2-7E0A33F3C5AF}" dt="2022-08-08T15:13:50.007" v="38"/>
+          <ac:spMkLst>
+            <pc:docMk/>
+            <pc:sldMk cId="2522444621" sldId="256"/>
+            <ac:spMk id="3" creationId="{FFC0B13F-A732-2504-9444-45D0F355EC4E}"/>
+          </ac:spMkLst>
+        </pc:spChg>
       </pc:sldChg>
       <pc:sldChg chg="modSp new mod">
-        <pc:chgData name="Aviral Rana" userId="48d41bb6-ef1a-451a-8500-a5079c6bd9f6" providerId="ADAL" clId="{45CED174-FAF7-4A85-89E2-7E0A33F3C5AF}" dt="2022-08-08T10:15:33.199" v="29" actId="20577"/>
+        <pc:chgData name="Aviral Rana" userId="48d41bb6-ef1a-451a-8500-a5079c6bd9f6" providerId="ADAL" clId="{45CED174-FAF7-4A85-89E2-7E0A33F3C5AF}" dt="2022-08-08T15:13:50.007" v="38"/>
         <pc:sldMkLst>
           <pc:docMk/>
           <pc:sldMk cId="1005834358" sldId="257"/>
         </pc:sldMkLst>
         <pc:spChg chg="mod">
-          <ac:chgData name="Aviral Rana" userId="48d41bb6-ef1a-451a-8500-a5079c6bd9f6" providerId="ADAL" clId="{45CED174-FAF7-4A85-89E2-7E0A33F3C5AF}" dt="2022-08-08T10:15:33.199" v="29" actId="20577"/>
+          <ac:chgData name="Aviral Rana" userId="48d41bb6-ef1a-451a-8500-a5079c6bd9f6" providerId="ADAL" clId="{45CED174-FAF7-4A85-89E2-7E0A33F3C5AF}" dt="2022-08-08T15:13:50.007" v="38"/>
           <ac:spMkLst>
             <pc:docMk/>
             <pc:sldMk cId="1005834358" sldId="257"/>
             <ac:spMk id="2" creationId="{9B4A2CB0-A928-DDD6-9B29-7B8C77EBE201}"/>
+          </ac:spMkLst>
+        </pc:spChg>
+        <pc:spChg chg="mod">
+          <ac:chgData name="Aviral Rana" userId="48d41bb6-ef1a-451a-8500-a5079c6bd9f6" providerId="ADAL" clId="{45CED174-FAF7-4A85-89E2-7E0A33F3C5AF}" dt="2022-08-08T15:13:50.007" v="38"/>
+          <ac:spMkLst>
+            <pc:docMk/>
+            <pc:sldMk cId="1005834358" sldId="257"/>
+            <ac:spMk id="3" creationId="{5A0961D0-94BD-AE1E-EC8B-979C4ED96112}"/>
           </ac:spMkLst>
         </pc:spChg>
       </pc:sldChg>
@@ -864,7 +888,7 @@
 </file>
 
 <file path=ppt/slideLayouts/slideLayout1.xml><?xml version="1.0" encoding="utf-8"?>
-<p:sldLayout xmlns:a="http://schemas.openxmlformats.org/drawingml/2006/main" xmlns:r="http://schemas.openxmlformats.org/officeDocument/2006/relationships" xmlns:p="http://schemas.openxmlformats.org/presentationml/2006/main" type="title" preserve="1">
+<p:sldLayout xmlns:a="http://schemas.openxmlformats.org/drawingml/2006/main" xmlns:r="http://schemas.openxmlformats.org/officeDocument/2006/relationships" xmlns:p="http://schemas.openxmlformats.org/presentationml/2006/main" showMasterSp="0" type="title" preserve="1">
   <p:cSld name="Title Slide">
     <p:spTree>
       <p:nvGrpSpPr>
@@ -882,31 +906,113 @@
       </p:grpSpPr>
       <p:sp>
         <p:nvSpPr>
-          <p:cNvPr id="2" name="Title 1">
-            <a:extLst>
-              <a:ext uri="{FF2B5EF4-FFF2-40B4-BE49-F238E27FC236}">
-                <a16:creationId xmlns:a16="http://schemas.microsoft.com/office/drawing/2014/main" id="{9341A441-1AAC-4E3A-B63B-20AA0575D967}"/>
-              </a:ext>
-            </a:extLst>
-          </p:cNvPr>
-          <p:cNvSpPr>
-            <a:spLocks noGrp="1"/>
-          </p:cNvSpPr>
-          <p:nvPr>
-            <p:ph type="ctrTitle"/>
-          </p:nvPr>
+          <p:cNvPr id="7" name="Rectangle 6"/>
+          <p:cNvSpPr/>
+          <p:nvPr/>
         </p:nvSpPr>
         <p:spPr>
           <a:xfrm>
-            <a:off x="1524000" y="1122363"/>
-            <a:ext cx="9144000" cy="2387600"/>
+            <a:off x="3175" y="6400800"/>
+            <a:ext cx="12188825" cy="457200"/>
+          </a:xfrm>
+          <a:prstGeom prst="rect">
+            <a:avLst/>
+          </a:prstGeom>
+          <a:solidFill>
+            <a:schemeClr val="accent2"/>
+          </a:solidFill>
+          <a:ln>
+            <a:noFill/>
+          </a:ln>
+        </p:spPr>
+        <p:style>
+          <a:lnRef idx="2">
+            <a:schemeClr val="accent1">
+              <a:shade val="50000"/>
+            </a:schemeClr>
+          </a:lnRef>
+          <a:fillRef idx="1">
+            <a:schemeClr val="accent1"/>
+          </a:fillRef>
+          <a:effectRef idx="0">
+            <a:schemeClr val="accent1"/>
+          </a:effectRef>
+          <a:fontRef idx="minor">
+            <a:schemeClr val="lt1"/>
+          </a:fontRef>
+        </p:style>
+      </p:sp>
+      <p:sp>
+        <p:nvSpPr>
+          <p:cNvPr id="8" name="Rectangle 7"/>
+          <p:cNvSpPr/>
+          <p:nvPr/>
+        </p:nvSpPr>
+        <p:spPr>
+          <a:xfrm>
+            <a:off x="15" y="6334316"/>
+            <a:ext cx="12188825" cy="64008"/>
+          </a:xfrm>
+          <a:prstGeom prst="rect">
+            <a:avLst/>
+          </a:prstGeom>
+          <a:solidFill>
+            <a:schemeClr val="accent1"/>
+          </a:solidFill>
+          <a:ln>
+            <a:noFill/>
+          </a:ln>
+        </p:spPr>
+        <p:style>
+          <a:lnRef idx="2">
+            <a:schemeClr val="accent1">
+              <a:shade val="50000"/>
+            </a:schemeClr>
+          </a:lnRef>
+          <a:fillRef idx="1">
+            <a:schemeClr val="accent1"/>
+          </a:fillRef>
+          <a:effectRef idx="0">
+            <a:schemeClr val="accent1"/>
+          </a:effectRef>
+          <a:fontRef idx="minor">
+            <a:schemeClr val="lt1"/>
+          </a:fontRef>
+        </p:style>
+      </p:sp>
+      <p:sp>
+        <p:nvSpPr>
+          <p:cNvPr id="2" name="Title 1"/>
+          <p:cNvSpPr>
+            <a:spLocks noGrp="1"/>
+          </p:cNvSpPr>
+          <p:nvPr>
+            <p:ph type="ctrTitle"/>
+          </p:nvPr>
+        </p:nvSpPr>
+        <p:spPr>
+          <a:xfrm>
+            <a:off x="1097280" y="758952"/>
+            <a:ext cx="10058400" cy="3566160"/>
           </a:xfrm>
         </p:spPr>
         <p:txBody>
-          <a:bodyPr anchor="b"/>
+          <a:bodyPr anchor="b">
+            <a:normAutofit/>
+          </a:bodyPr>
           <a:lstStyle>
-            <a:lvl1pPr algn="ctr">
-              <a:defRPr sz="6000"/>
+            <a:lvl1pPr algn="l">
+              <a:lnSpc>
+                <a:spcPct val="85000"/>
+              </a:lnSpc>
+              <a:defRPr sz="8000" spc="-50" baseline="0">
+                <a:solidFill>
+                  <a:schemeClr val="tx1">
+                    <a:lumMod val="85000"/>
+                    <a:lumOff val="15000"/>
+                  </a:schemeClr>
+                </a:solidFill>
+              </a:defRPr>
             </a:lvl1pPr>
           </a:lstStyle>
           <a:p>
@@ -914,19 +1020,13 @@
               <a:rPr lang="en-US"/>
               <a:t>Click to edit Master title style</a:t>
             </a:r>
-            <a:endParaRPr lang="en-IN"/>
-          </a:p>
-        </p:txBody>
-      </p:sp>
-      <p:sp>
-        <p:nvSpPr>
-          <p:cNvPr id="3" name="Subtitle 2">
-            <a:extLst>
-              <a:ext uri="{FF2B5EF4-FFF2-40B4-BE49-F238E27FC236}">
-                <a16:creationId xmlns:a16="http://schemas.microsoft.com/office/drawing/2014/main" id="{7AAD426E-3F59-4891-8E5E-CEB8579618F2}"/>
-              </a:ext>
-            </a:extLst>
-          </p:cNvPr>
+            <a:endParaRPr lang="en-US" dirty="0"/>
+          </a:p>
+        </p:txBody>
+      </p:sp>
+      <p:sp>
+        <p:nvSpPr>
+          <p:cNvPr id="3" name="Subtitle 2"/>
           <p:cNvSpPr>
             <a:spLocks noGrp="1"/>
           </p:cNvSpPr>
@@ -936,48 +1036,55 @@
         </p:nvSpPr>
         <p:spPr>
           <a:xfrm>
-            <a:off x="1524000" y="3602038"/>
-            <a:ext cx="9144000" cy="1655762"/>
+            <a:off x="1100051" y="4455620"/>
+            <a:ext cx="10058400" cy="1143000"/>
           </a:xfrm>
         </p:spPr>
         <p:txBody>
-          <a:bodyPr/>
+          <a:bodyPr lIns="91440" rIns="91440">
+            <a:normAutofit/>
+          </a:bodyPr>
           <a:lstStyle>
-            <a:lvl1pPr marL="0" indent="0" algn="ctr">
-              <a:buNone/>
-              <a:defRPr sz="2400"/>
+            <a:lvl1pPr marL="0" indent="0" algn="l">
+              <a:buNone/>
+              <a:defRPr sz="2400" cap="all" spc="200" baseline="0">
+                <a:solidFill>
+                  <a:schemeClr val="tx2"/>
+                </a:solidFill>
+                <a:latin typeface="+mj-lt"/>
+              </a:defRPr>
             </a:lvl1pPr>
             <a:lvl2pPr marL="457200" indent="0" algn="ctr">
               <a:buNone/>
-              <a:defRPr sz="2000"/>
+              <a:defRPr sz="2400"/>
             </a:lvl2pPr>
             <a:lvl3pPr marL="914400" indent="0" algn="ctr">
               <a:buNone/>
-              <a:defRPr sz="1800"/>
+              <a:defRPr sz="2400"/>
             </a:lvl3pPr>
             <a:lvl4pPr marL="1371600" indent="0" algn="ctr">
               <a:buNone/>
-              <a:defRPr sz="1600"/>
+              <a:defRPr sz="2000"/>
             </a:lvl4pPr>
             <a:lvl5pPr marL="1828800" indent="0" algn="ctr">
               <a:buNone/>
-              <a:defRPr sz="1600"/>
+              <a:defRPr sz="2000"/>
             </a:lvl5pPr>
             <a:lvl6pPr marL="2286000" indent="0" algn="ctr">
               <a:buNone/>
-              <a:defRPr sz="1600"/>
+              <a:defRPr sz="2000"/>
             </a:lvl6pPr>
             <a:lvl7pPr marL="2743200" indent="0" algn="ctr">
               <a:buNone/>
-              <a:defRPr sz="1600"/>
+              <a:defRPr sz="2000"/>
             </a:lvl7pPr>
             <a:lvl8pPr marL="3200400" indent="0" algn="ctr">
               <a:buNone/>
-              <a:defRPr sz="1600"/>
+              <a:defRPr sz="2000"/>
             </a:lvl8pPr>
             <a:lvl9pPr marL="3657600" indent="0" algn="ctr">
               <a:buNone/>
-              <a:defRPr sz="1600"/>
+              <a:defRPr sz="2000"/>
             </a:lvl9pPr>
           </a:lstStyle>
           <a:p>
@@ -985,19 +1092,13 @@
               <a:rPr lang="en-US"/>
               <a:t>Click to edit Master subtitle style</a:t>
             </a:r>
-            <a:endParaRPr lang="en-IN"/>
-          </a:p>
-        </p:txBody>
-      </p:sp>
-      <p:sp>
-        <p:nvSpPr>
-          <p:cNvPr id="4" name="Date Placeholder 3">
-            <a:extLst>
-              <a:ext uri="{FF2B5EF4-FFF2-40B4-BE49-F238E27FC236}">
-                <a16:creationId xmlns:a16="http://schemas.microsoft.com/office/drawing/2014/main" id="{8EF06FA3-8B15-431C-AEF9-31E91D2365DF}"/>
-              </a:ext>
-            </a:extLst>
-          </p:cNvPr>
+            <a:endParaRPr lang="en-US" dirty="0"/>
+          </a:p>
+        </p:txBody>
+      </p:sp>
+      <p:sp>
+        <p:nvSpPr>
+          <p:cNvPr id="4" name="Date Placeholder 3"/>
           <p:cNvSpPr>
             <a:spLocks noGrp="1"/>
           </p:cNvSpPr>
@@ -1020,13 +1121,7 @@
       </p:sp>
       <p:sp>
         <p:nvSpPr>
-          <p:cNvPr id="5" name="Footer Placeholder 4">
-            <a:extLst>
-              <a:ext uri="{FF2B5EF4-FFF2-40B4-BE49-F238E27FC236}">
-                <a16:creationId xmlns:a16="http://schemas.microsoft.com/office/drawing/2014/main" id="{5ECD220A-5D00-43B8-936D-DC92D9CD4A8F}"/>
-              </a:ext>
-            </a:extLst>
-          </p:cNvPr>
+          <p:cNvPr id="5" name="Footer Placeholder 4"/>
           <p:cNvSpPr>
             <a:spLocks noGrp="1"/>
           </p:cNvSpPr>
@@ -1045,13 +1140,7 @@
       </p:sp>
       <p:sp>
         <p:nvSpPr>
-          <p:cNvPr id="6" name="Slide Number Placeholder 5">
-            <a:extLst>
-              <a:ext uri="{FF2B5EF4-FFF2-40B4-BE49-F238E27FC236}">
-                <a16:creationId xmlns:a16="http://schemas.microsoft.com/office/drawing/2014/main" id="{8D083D97-B3EB-4A0F-8758-7A5555616858}"/>
-              </a:ext>
-            </a:extLst>
-          </p:cNvPr>
+          <p:cNvPr id="6" name="Slide Number Placeholder 5"/>
           <p:cNvSpPr>
             <a:spLocks noGrp="1"/>
           </p:cNvSpPr>
@@ -1072,10 +1161,48 @@
           </a:p>
         </p:txBody>
       </p:sp>
+      <p:cxnSp>
+        <p:nvCxnSpPr>
+          <p:cNvPr id="9" name="Straight Connector 8"/>
+          <p:cNvCxnSpPr/>
+          <p:nvPr/>
+        </p:nvCxnSpPr>
+        <p:spPr>
+          <a:xfrm>
+            <a:off x="1207658" y="4343400"/>
+            <a:ext cx="9875520" cy="0"/>
+          </a:xfrm>
+          <a:prstGeom prst="line">
+            <a:avLst/>
+          </a:prstGeom>
+          <a:ln w="6350">
+            <a:solidFill>
+              <a:schemeClr val="tx1">
+                <a:lumMod val="50000"/>
+                <a:lumOff val="50000"/>
+              </a:schemeClr>
+            </a:solidFill>
+          </a:ln>
+        </p:spPr>
+        <p:style>
+          <a:lnRef idx="1">
+            <a:schemeClr val="accent1"/>
+          </a:lnRef>
+          <a:fillRef idx="0">
+            <a:schemeClr val="accent1"/>
+          </a:fillRef>
+          <a:effectRef idx="0">
+            <a:schemeClr val="accent1"/>
+          </a:effectRef>
+          <a:fontRef idx="minor">
+            <a:schemeClr val="tx1"/>
+          </a:fontRef>
+        </p:style>
+      </p:cxnSp>
     </p:spTree>
     <p:extLst>
       <p:ext uri="{BB962C8B-B14F-4D97-AF65-F5344CB8AC3E}">
-        <p14:creationId xmlns:p14="http://schemas.microsoft.com/office/powerpoint/2010/main" val="3040856929"/>
+        <p14:creationId xmlns:p14="http://schemas.microsoft.com/office/powerpoint/2010/main" val="335197806"/>
       </p:ext>
     </p:extLst>
   </p:cSld>
@@ -1104,13 +1231,7 @@
       </p:grpSpPr>
       <p:sp>
         <p:nvSpPr>
-          <p:cNvPr id="2" name="Title 1">
-            <a:extLst>
-              <a:ext uri="{FF2B5EF4-FFF2-40B4-BE49-F238E27FC236}">
-                <a16:creationId xmlns:a16="http://schemas.microsoft.com/office/drawing/2014/main" id="{1E44F443-C8E4-404E-B433-9EFB446A5CE6}"/>
-              </a:ext>
-            </a:extLst>
-          </p:cNvPr>
+          <p:cNvPr id="2" name="Title 1"/>
           <p:cNvSpPr>
             <a:spLocks noGrp="1"/>
           </p:cNvSpPr>
@@ -1127,19 +1248,13 @@
               <a:rPr lang="en-US"/>
               <a:t>Click to edit Master title style</a:t>
             </a:r>
-            <a:endParaRPr lang="en-IN"/>
-          </a:p>
-        </p:txBody>
-      </p:sp>
-      <p:sp>
-        <p:nvSpPr>
-          <p:cNvPr id="3" name="Vertical Text Placeholder 2">
-            <a:extLst>
-              <a:ext uri="{FF2B5EF4-FFF2-40B4-BE49-F238E27FC236}">
-                <a16:creationId xmlns:a16="http://schemas.microsoft.com/office/drawing/2014/main" id="{E1191DEA-3016-46F0-A912-A37E4EF67194}"/>
-              </a:ext>
-            </a:extLst>
-          </p:cNvPr>
+            <a:endParaRPr lang="en-US" dirty="0"/>
+          </a:p>
+        </p:txBody>
+      </p:sp>
+      <p:sp>
+        <p:nvSpPr>
+          <p:cNvPr id="3" name="Vertical Text Placeholder 2"/>
           <p:cNvSpPr>
             <a:spLocks noGrp="1"/>
           </p:cNvSpPr>
@@ -1149,7 +1264,7 @@
         </p:nvSpPr>
         <p:spPr/>
         <p:txBody>
-          <a:bodyPr vert="eaVert"/>
+          <a:bodyPr vert="eaVert" lIns="45720" tIns="0" rIns="45720" bIns="0"/>
           <a:lstStyle/>
           <a:p>
             <a:pPr lvl="0"/>
@@ -1185,19 +1300,13 @@
               <a:rPr lang="en-US"/>
               <a:t>Fifth level</a:t>
             </a:r>
-            <a:endParaRPr lang="en-IN"/>
-          </a:p>
-        </p:txBody>
-      </p:sp>
-      <p:sp>
-        <p:nvSpPr>
-          <p:cNvPr id="4" name="Date Placeholder 3">
-            <a:extLst>
-              <a:ext uri="{FF2B5EF4-FFF2-40B4-BE49-F238E27FC236}">
-                <a16:creationId xmlns:a16="http://schemas.microsoft.com/office/drawing/2014/main" id="{69D6C3C6-81C1-4676-A02B-FDF8BADFDCD8}"/>
-              </a:ext>
-            </a:extLst>
-          </p:cNvPr>
+            <a:endParaRPr lang="en-US" dirty="0"/>
+          </a:p>
+        </p:txBody>
+      </p:sp>
+      <p:sp>
+        <p:nvSpPr>
+          <p:cNvPr id="4" name="Date Placeholder 3"/>
           <p:cNvSpPr>
             <a:spLocks noGrp="1"/>
           </p:cNvSpPr>
@@ -1220,13 +1329,7 @@
       </p:sp>
       <p:sp>
         <p:nvSpPr>
-          <p:cNvPr id="5" name="Footer Placeholder 4">
-            <a:extLst>
-              <a:ext uri="{FF2B5EF4-FFF2-40B4-BE49-F238E27FC236}">
-                <a16:creationId xmlns:a16="http://schemas.microsoft.com/office/drawing/2014/main" id="{BF8AEA39-B213-4B38-9943-BD240F00BD06}"/>
-              </a:ext>
-            </a:extLst>
-          </p:cNvPr>
+          <p:cNvPr id="5" name="Footer Placeholder 4"/>
           <p:cNvSpPr>
             <a:spLocks noGrp="1"/>
           </p:cNvSpPr>
@@ -1245,13 +1348,7 @@
       </p:sp>
       <p:sp>
         <p:nvSpPr>
-          <p:cNvPr id="6" name="Slide Number Placeholder 5">
-            <a:extLst>
-              <a:ext uri="{FF2B5EF4-FFF2-40B4-BE49-F238E27FC236}">
-                <a16:creationId xmlns:a16="http://schemas.microsoft.com/office/drawing/2014/main" id="{DE001007-DAA4-489A-8221-0E574F2224F0}"/>
-              </a:ext>
-            </a:extLst>
-          </p:cNvPr>
+          <p:cNvPr id="6" name="Slide Number Placeholder 5"/>
           <p:cNvSpPr>
             <a:spLocks noGrp="1"/>
           </p:cNvSpPr>
@@ -1275,7 +1372,7 @@
     </p:spTree>
     <p:extLst>
       <p:ext uri="{BB962C8B-B14F-4D97-AF65-F5344CB8AC3E}">
-        <p14:creationId xmlns:p14="http://schemas.microsoft.com/office/powerpoint/2010/main" val="847564763"/>
+        <p14:creationId xmlns:p14="http://schemas.microsoft.com/office/powerpoint/2010/main" val="3719612897"/>
       </p:ext>
     </p:extLst>
   </p:cSld>
@@ -1286,7 +1383,7 @@
 </file>
 
 <file path=ppt/slideLayouts/slideLayout11.xml><?xml version="1.0" encoding="utf-8"?>
-<p:sldLayout xmlns:a="http://schemas.openxmlformats.org/drawingml/2006/main" xmlns:r="http://schemas.openxmlformats.org/officeDocument/2006/relationships" xmlns:p="http://schemas.openxmlformats.org/presentationml/2006/main" type="vertTitleAndTx" preserve="1">
+<p:sldLayout xmlns:a="http://schemas.openxmlformats.org/drawingml/2006/main" xmlns:r="http://schemas.openxmlformats.org/officeDocument/2006/relationships" xmlns:p="http://schemas.openxmlformats.org/presentationml/2006/main" showMasterSp="0" type="vertTitleAndTx" preserve="1">
   <p:cSld name="Vertical Title and Text">
     <p:spTree>
       <p:nvGrpSpPr>
@@ -1304,24 +1401,94 @@
       </p:grpSpPr>
       <p:sp>
         <p:nvSpPr>
-          <p:cNvPr id="2" name="Vertical Title 1">
-            <a:extLst>
-              <a:ext uri="{FF2B5EF4-FFF2-40B4-BE49-F238E27FC236}">
-                <a16:creationId xmlns:a16="http://schemas.microsoft.com/office/drawing/2014/main" id="{8F68F422-D0AE-4759-BD3C-5CDC42454C33}"/>
-              </a:ext>
-            </a:extLst>
-          </p:cNvPr>
-          <p:cNvSpPr>
-            <a:spLocks noGrp="1"/>
-          </p:cNvSpPr>
-          <p:nvPr>
-            <p:ph type="title" orient="vert"/>
-          </p:nvPr>
+          <p:cNvPr id="7" name="Rectangle 6"/>
+          <p:cNvSpPr/>
+          <p:nvPr/>
         </p:nvSpPr>
         <p:spPr>
           <a:xfrm>
-            <a:off x="8724900" y="365125"/>
-            <a:ext cx="2628900" cy="5811838"/>
+            <a:off x="3175" y="6400800"/>
+            <a:ext cx="12188825" cy="457200"/>
+          </a:xfrm>
+          <a:prstGeom prst="rect">
+            <a:avLst/>
+          </a:prstGeom>
+          <a:solidFill>
+            <a:schemeClr val="accent2"/>
+          </a:solidFill>
+          <a:ln>
+            <a:noFill/>
+          </a:ln>
+        </p:spPr>
+        <p:style>
+          <a:lnRef idx="2">
+            <a:schemeClr val="accent1">
+              <a:shade val="50000"/>
+            </a:schemeClr>
+          </a:lnRef>
+          <a:fillRef idx="1">
+            <a:schemeClr val="accent1"/>
+          </a:fillRef>
+          <a:effectRef idx="0">
+            <a:schemeClr val="accent1"/>
+          </a:effectRef>
+          <a:fontRef idx="minor">
+            <a:schemeClr val="lt1"/>
+          </a:fontRef>
+        </p:style>
+      </p:sp>
+      <p:sp>
+        <p:nvSpPr>
+          <p:cNvPr id="8" name="Rectangle 7"/>
+          <p:cNvSpPr/>
+          <p:nvPr/>
+        </p:nvSpPr>
+        <p:spPr>
+          <a:xfrm>
+            <a:off x="15" y="6334316"/>
+            <a:ext cx="12188825" cy="64008"/>
+          </a:xfrm>
+          <a:prstGeom prst="rect">
+            <a:avLst/>
+          </a:prstGeom>
+          <a:solidFill>
+            <a:schemeClr val="accent1"/>
+          </a:solidFill>
+          <a:ln>
+            <a:noFill/>
+          </a:ln>
+        </p:spPr>
+        <p:style>
+          <a:lnRef idx="2">
+            <a:schemeClr val="accent1">
+              <a:shade val="50000"/>
+            </a:schemeClr>
+          </a:lnRef>
+          <a:fillRef idx="1">
+            <a:schemeClr val="accent1"/>
+          </a:fillRef>
+          <a:effectRef idx="0">
+            <a:schemeClr val="accent1"/>
+          </a:effectRef>
+          <a:fontRef idx="minor">
+            <a:schemeClr val="lt1"/>
+          </a:fontRef>
+        </p:style>
+      </p:sp>
+      <p:sp>
+        <p:nvSpPr>
+          <p:cNvPr id="2" name="Vertical Title 1"/>
+          <p:cNvSpPr>
+            <a:spLocks noGrp="1"/>
+          </p:cNvSpPr>
+          <p:nvPr>
+            <p:ph type="title" orient="vert"/>
+          </p:nvPr>
+        </p:nvSpPr>
+        <p:spPr>
+          <a:xfrm>
+            <a:off x="8724900" y="414778"/>
+            <a:ext cx="2628900" cy="5757421"/>
           </a:xfrm>
         </p:spPr>
         <p:txBody>
@@ -1332,19 +1499,13 @@
               <a:rPr lang="en-US"/>
               <a:t>Click to edit Master title style</a:t>
             </a:r>
-            <a:endParaRPr lang="en-IN"/>
-          </a:p>
-        </p:txBody>
-      </p:sp>
-      <p:sp>
-        <p:nvSpPr>
-          <p:cNvPr id="3" name="Vertical Text Placeholder 2">
-            <a:extLst>
-              <a:ext uri="{FF2B5EF4-FFF2-40B4-BE49-F238E27FC236}">
-                <a16:creationId xmlns:a16="http://schemas.microsoft.com/office/drawing/2014/main" id="{2FBE2774-3CE9-480E-8722-7040B625722D}"/>
-              </a:ext>
-            </a:extLst>
-          </p:cNvPr>
+            <a:endParaRPr lang="en-US" dirty="0"/>
+          </a:p>
+        </p:txBody>
+      </p:sp>
+      <p:sp>
+        <p:nvSpPr>
+          <p:cNvPr id="3" name="Vertical Text Placeholder 2"/>
           <p:cNvSpPr>
             <a:spLocks noGrp="1"/>
           </p:cNvSpPr>
@@ -1354,12 +1515,12 @@
         </p:nvSpPr>
         <p:spPr>
           <a:xfrm>
-            <a:off x="838200" y="365125"/>
-            <a:ext cx="7734300" cy="5811838"/>
+            <a:off x="838200" y="414778"/>
+            <a:ext cx="7734300" cy="5757422"/>
           </a:xfrm>
         </p:spPr>
         <p:txBody>
-          <a:bodyPr vert="eaVert"/>
+          <a:bodyPr vert="eaVert" lIns="45720" tIns="0" rIns="45720" bIns="0"/>
           <a:lstStyle/>
           <a:p>
             <a:pPr lvl="0"/>
@@ -1395,19 +1556,13 @@
               <a:rPr lang="en-US"/>
               <a:t>Fifth level</a:t>
             </a:r>
-            <a:endParaRPr lang="en-IN"/>
-          </a:p>
-        </p:txBody>
-      </p:sp>
-      <p:sp>
-        <p:nvSpPr>
-          <p:cNvPr id="4" name="Date Placeholder 3">
-            <a:extLst>
-              <a:ext uri="{FF2B5EF4-FFF2-40B4-BE49-F238E27FC236}">
-                <a16:creationId xmlns:a16="http://schemas.microsoft.com/office/drawing/2014/main" id="{FDC51608-1F62-4E42-92B3-2593894BF959}"/>
-              </a:ext>
-            </a:extLst>
-          </p:cNvPr>
+            <a:endParaRPr lang="en-US" dirty="0"/>
+          </a:p>
+        </p:txBody>
+      </p:sp>
+      <p:sp>
+        <p:nvSpPr>
+          <p:cNvPr id="4" name="Date Placeholder 3"/>
           <p:cNvSpPr>
             <a:spLocks noGrp="1"/>
           </p:cNvSpPr>
@@ -1430,13 +1585,7 @@
       </p:sp>
       <p:sp>
         <p:nvSpPr>
-          <p:cNvPr id="5" name="Footer Placeholder 4">
-            <a:extLst>
-              <a:ext uri="{FF2B5EF4-FFF2-40B4-BE49-F238E27FC236}">
-                <a16:creationId xmlns:a16="http://schemas.microsoft.com/office/drawing/2014/main" id="{3F9CFA8E-9E85-47BE-B81B-92C061122C0F}"/>
-              </a:ext>
-            </a:extLst>
-          </p:cNvPr>
+          <p:cNvPr id="5" name="Footer Placeholder 4"/>
           <p:cNvSpPr>
             <a:spLocks noGrp="1"/>
           </p:cNvSpPr>
@@ -1455,13 +1604,7 @@
       </p:sp>
       <p:sp>
         <p:nvSpPr>
-          <p:cNvPr id="6" name="Slide Number Placeholder 5">
-            <a:extLst>
-              <a:ext uri="{FF2B5EF4-FFF2-40B4-BE49-F238E27FC236}">
-                <a16:creationId xmlns:a16="http://schemas.microsoft.com/office/drawing/2014/main" id="{A35B8C3C-AB89-43F6-B292-3D4EB36883F4}"/>
-              </a:ext>
-            </a:extLst>
-          </p:cNvPr>
+          <p:cNvPr id="6" name="Slide Number Placeholder 5"/>
           <p:cNvSpPr>
             <a:spLocks noGrp="1"/>
           </p:cNvSpPr>
@@ -1485,7 +1628,7 @@
     </p:spTree>
     <p:extLst>
       <p:ext uri="{BB962C8B-B14F-4D97-AF65-F5344CB8AC3E}">
-        <p14:creationId xmlns:p14="http://schemas.microsoft.com/office/powerpoint/2010/main" val="613285195"/>
+        <p14:creationId xmlns:p14="http://schemas.microsoft.com/office/powerpoint/2010/main" val="587045523"/>
       </p:ext>
     </p:extLst>
   </p:cSld>
@@ -1514,18 +1657,39 @@
       </p:grpSpPr>
       <p:sp>
         <p:nvSpPr>
-          <p:cNvPr id="2" name="Title 1">
-            <a:extLst>
-              <a:ext uri="{FF2B5EF4-FFF2-40B4-BE49-F238E27FC236}">
-                <a16:creationId xmlns:a16="http://schemas.microsoft.com/office/drawing/2014/main" id="{9E071ED0-DD5F-4017-807F-19D64B935299}"/>
-              </a:ext>
-            </a:extLst>
-          </p:cNvPr>
+          <p:cNvPr id="2" name="Title 1"/>
           <p:cNvSpPr>
             <a:spLocks noGrp="1"/>
           </p:cNvSpPr>
           <p:nvPr>
             <p:ph type="title"/>
+          </p:nvPr>
+        </p:nvSpPr>
+        <p:spPr/>
+        <p:txBody>
+          <a:bodyPr/>
+          <a:lstStyle>
+            <a:lvl1pPr marL="0">
+              <a:defRPr/>
+            </a:lvl1pPr>
+          </a:lstStyle>
+          <a:p>
+            <a:r>
+              <a:rPr lang="en-US"/>
+              <a:t>Click to edit Master title style</a:t>
+            </a:r>
+            <a:endParaRPr lang="en-US" dirty="0"/>
+          </a:p>
+        </p:txBody>
+      </p:sp>
+      <p:sp>
+        <p:nvSpPr>
+          <p:cNvPr id="3" name="Content Placeholder 2"/>
+          <p:cNvSpPr>
+            <a:spLocks noGrp="1"/>
+          </p:cNvSpPr>
+          <p:nvPr>
+            <p:ph idx="1"/>
           </p:nvPr>
         </p:nvSpPr>
         <p:spPr/>
@@ -1533,35 +1697,6 @@
           <a:bodyPr/>
           <a:lstStyle/>
           <a:p>
-            <a:r>
-              <a:rPr lang="en-US"/>
-              <a:t>Click to edit Master title style</a:t>
-            </a:r>
-            <a:endParaRPr lang="en-IN"/>
-          </a:p>
-        </p:txBody>
-      </p:sp>
-      <p:sp>
-        <p:nvSpPr>
-          <p:cNvPr id="3" name="Content Placeholder 2">
-            <a:extLst>
-              <a:ext uri="{FF2B5EF4-FFF2-40B4-BE49-F238E27FC236}">
-                <a16:creationId xmlns:a16="http://schemas.microsoft.com/office/drawing/2014/main" id="{61E005F6-F4F0-4726-B962-6AA4E1836A2A}"/>
-              </a:ext>
-            </a:extLst>
-          </p:cNvPr>
-          <p:cNvSpPr>
-            <a:spLocks noGrp="1"/>
-          </p:cNvSpPr>
-          <p:nvPr>
-            <p:ph idx="1"/>
-          </p:nvPr>
-        </p:nvSpPr>
-        <p:spPr/>
-        <p:txBody>
-          <a:bodyPr/>
-          <a:lstStyle/>
-          <a:p>
             <a:pPr lvl="0"/>
             <a:r>
               <a:rPr lang="en-US"/>
@@ -1595,19 +1730,13 @@
               <a:rPr lang="en-US"/>
               <a:t>Fifth level</a:t>
             </a:r>
-            <a:endParaRPr lang="en-IN"/>
-          </a:p>
-        </p:txBody>
-      </p:sp>
-      <p:sp>
-        <p:nvSpPr>
-          <p:cNvPr id="4" name="Date Placeholder 3">
-            <a:extLst>
-              <a:ext uri="{FF2B5EF4-FFF2-40B4-BE49-F238E27FC236}">
-                <a16:creationId xmlns:a16="http://schemas.microsoft.com/office/drawing/2014/main" id="{15C6270A-87FF-4B85-9F8A-8033B90DE083}"/>
-              </a:ext>
-            </a:extLst>
-          </p:cNvPr>
+            <a:endParaRPr lang="en-US" dirty="0"/>
+          </a:p>
+        </p:txBody>
+      </p:sp>
+      <p:sp>
+        <p:nvSpPr>
+          <p:cNvPr id="4" name="Date Placeholder 3"/>
           <p:cNvSpPr>
             <a:spLocks noGrp="1"/>
           </p:cNvSpPr>
@@ -1630,13 +1759,7 @@
       </p:sp>
       <p:sp>
         <p:nvSpPr>
-          <p:cNvPr id="5" name="Footer Placeholder 4">
-            <a:extLst>
-              <a:ext uri="{FF2B5EF4-FFF2-40B4-BE49-F238E27FC236}">
-                <a16:creationId xmlns:a16="http://schemas.microsoft.com/office/drawing/2014/main" id="{78B0CFB0-F27F-41DD-B5BB-13F7F1F0DBC2}"/>
-              </a:ext>
-            </a:extLst>
-          </p:cNvPr>
+          <p:cNvPr id="5" name="Footer Placeholder 4"/>
           <p:cNvSpPr>
             <a:spLocks noGrp="1"/>
           </p:cNvSpPr>
@@ -1655,13 +1778,7 @@
       </p:sp>
       <p:sp>
         <p:nvSpPr>
-          <p:cNvPr id="6" name="Slide Number Placeholder 5">
-            <a:extLst>
-              <a:ext uri="{FF2B5EF4-FFF2-40B4-BE49-F238E27FC236}">
-                <a16:creationId xmlns:a16="http://schemas.microsoft.com/office/drawing/2014/main" id="{45A5BE90-4EF2-4555-B28D-DC2FE49A3C68}"/>
-              </a:ext>
-            </a:extLst>
-          </p:cNvPr>
+          <p:cNvPr id="6" name="Slide Number Placeholder 5"/>
           <p:cNvSpPr>
             <a:spLocks noGrp="1"/>
           </p:cNvSpPr>
@@ -1685,7 +1802,7 @@
     </p:spTree>
     <p:extLst>
       <p:ext uri="{BB962C8B-B14F-4D97-AF65-F5344CB8AC3E}">
-        <p14:creationId xmlns:p14="http://schemas.microsoft.com/office/powerpoint/2010/main" val="3609288431"/>
+        <p14:creationId xmlns:p14="http://schemas.microsoft.com/office/powerpoint/2010/main" val="1486600812"/>
       </p:ext>
     </p:extLst>
   </p:cSld>
@@ -1696,8 +1813,16 @@
 </file>
 
 <file path=ppt/slideLayouts/slideLayout3.xml><?xml version="1.0" encoding="utf-8"?>
-<p:sldLayout xmlns:a="http://schemas.openxmlformats.org/drawingml/2006/main" xmlns:r="http://schemas.openxmlformats.org/officeDocument/2006/relationships" xmlns:p="http://schemas.openxmlformats.org/presentationml/2006/main" type="secHead" preserve="1">
+<p:sldLayout xmlns:a="http://schemas.openxmlformats.org/drawingml/2006/main" xmlns:r="http://schemas.openxmlformats.org/officeDocument/2006/relationships" xmlns:p="http://schemas.openxmlformats.org/presentationml/2006/main" showMasterSp="0" type="secHead" preserve="1">
   <p:cSld name="Section Header">
+    <p:bg>
+      <p:bgPr>
+        <a:solidFill>
+          <a:schemeClr val="bg1"/>
+        </a:solidFill>
+        <a:effectLst/>
+      </p:bgPr>
+    </p:bg>
     <p:spTree>
       <p:nvGrpSpPr>
         <p:cNvPr id="1" name=""/>
@@ -1714,80 +1839,157 @@
       </p:grpSpPr>
       <p:sp>
         <p:nvSpPr>
-          <p:cNvPr id="2" name="Title 1">
-            <a:extLst>
-              <a:ext uri="{FF2B5EF4-FFF2-40B4-BE49-F238E27FC236}">
-                <a16:creationId xmlns:a16="http://schemas.microsoft.com/office/drawing/2014/main" id="{371B81FC-12AF-4D01-B91B-351F6D1FF4E2}"/>
-              </a:ext>
-            </a:extLst>
-          </p:cNvPr>
-          <p:cNvSpPr>
-            <a:spLocks noGrp="1"/>
-          </p:cNvSpPr>
-          <p:nvPr>
-            <p:ph type="title"/>
-          </p:nvPr>
+          <p:cNvPr id="7" name="Rectangle 6"/>
+          <p:cNvSpPr/>
+          <p:nvPr/>
         </p:nvSpPr>
         <p:spPr>
           <a:xfrm>
-            <a:off x="831850" y="1709738"/>
-            <a:ext cx="10515600" cy="2852737"/>
+            <a:off x="3175" y="6400800"/>
+            <a:ext cx="12188825" cy="457200"/>
+          </a:xfrm>
+          <a:prstGeom prst="rect">
+            <a:avLst/>
+          </a:prstGeom>
+          <a:solidFill>
+            <a:schemeClr val="accent2"/>
+          </a:solidFill>
+          <a:ln>
+            <a:noFill/>
+          </a:ln>
+        </p:spPr>
+        <p:style>
+          <a:lnRef idx="2">
+            <a:schemeClr val="accent1">
+              <a:shade val="50000"/>
+            </a:schemeClr>
+          </a:lnRef>
+          <a:fillRef idx="1">
+            <a:schemeClr val="accent1"/>
+          </a:fillRef>
+          <a:effectRef idx="0">
+            <a:schemeClr val="accent1"/>
+          </a:effectRef>
+          <a:fontRef idx="minor">
+            <a:schemeClr val="lt1"/>
+          </a:fontRef>
+        </p:style>
+      </p:sp>
+      <p:sp>
+        <p:nvSpPr>
+          <p:cNvPr id="8" name="Rectangle 7"/>
+          <p:cNvSpPr/>
+          <p:nvPr/>
+        </p:nvSpPr>
+        <p:spPr>
+          <a:xfrm>
+            <a:off x="15" y="6334316"/>
+            <a:ext cx="12188825" cy="64008"/>
+          </a:xfrm>
+          <a:prstGeom prst="rect">
+            <a:avLst/>
+          </a:prstGeom>
+          <a:solidFill>
+            <a:schemeClr val="accent1"/>
+          </a:solidFill>
+          <a:ln>
+            <a:noFill/>
+          </a:ln>
+        </p:spPr>
+        <p:style>
+          <a:lnRef idx="2">
+            <a:schemeClr val="accent1">
+              <a:shade val="50000"/>
+            </a:schemeClr>
+          </a:lnRef>
+          <a:fillRef idx="1">
+            <a:schemeClr val="accent1"/>
+          </a:fillRef>
+          <a:effectRef idx="0">
+            <a:schemeClr val="accent1"/>
+          </a:effectRef>
+          <a:fontRef idx="minor">
+            <a:schemeClr val="lt1"/>
+          </a:fontRef>
+        </p:style>
+      </p:sp>
+      <p:sp>
+        <p:nvSpPr>
+          <p:cNvPr id="2" name="Title 1"/>
+          <p:cNvSpPr>
+            <a:spLocks noGrp="1"/>
+          </p:cNvSpPr>
+          <p:nvPr>
+            <p:ph type="title"/>
+          </p:nvPr>
+        </p:nvSpPr>
+        <p:spPr>
+          <a:xfrm>
+            <a:off x="1097280" y="758952"/>
+            <a:ext cx="10058400" cy="3566160"/>
           </a:xfrm>
         </p:spPr>
         <p:txBody>
-          <a:bodyPr anchor="b"/>
+          <a:bodyPr anchor="b" anchorCtr="0">
+            <a:normAutofit/>
+          </a:bodyPr>
           <a:lstStyle>
             <a:lvl1pPr>
-              <a:defRPr sz="6000"/>
-            </a:lvl1pPr>
-          </a:lstStyle>
-          <a:p>
-            <a:r>
-              <a:rPr lang="en-US"/>
-              <a:t>Click to edit Master title style</a:t>
-            </a:r>
-            <a:endParaRPr lang="en-IN"/>
-          </a:p>
-        </p:txBody>
-      </p:sp>
-      <p:sp>
-        <p:nvSpPr>
-          <p:cNvPr id="3" name="Text Placeholder 2">
-            <a:extLst>
-              <a:ext uri="{FF2B5EF4-FFF2-40B4-BE49-F238E27FC236}">
-                <a16:creationId xmlns:a16="http://schemas.microsoft.com/office/drawing/2014/main" id="{6F4FF1BD-3604-4512-81E7-D2C9924497A2}"/>
-              </a:ext>
-            </a:extLst>
-          </p:cNvPr>
-          <p:cNvSpPr>
-            <a:spLocks noGrp="1"/>
-          </p:cNvSpPr>
-          <p:nvPr>
-            <p:ph type="body" idx="1"/>
-          </p:nvPr>
-        </p:nvSpPr>
-        <p:spPr>
-          <a:xfrm>
-            <a:off x="831850" y="4589463"/>
-            <a:ext cx="10515600" cy="1500187"/>
-          </a:xfrm>
-        </p:spPr>
-        <p:txBody>
-          <a:bodyPr/>
-          <a:lstStyle>
-            <a:lvl1pPr marL="0" indent="0">
-              <a:buNone/>
-              <a:defRPr sz="2400">
+              <a:lnSpc>
+                <a:spcPct val="85000"/>
+              </a:lnSpc>
+              <a:defRPr sz="8000" b="0">
                 <a:solidFill>
                   <a:schemeClr val="tx1">
-                    <a:tint val="75000"/>
+                    <a:lumMod val="85000"/>
+                    <a:lumOff val="15000"/>
                   </a:schemeClr>
                 </a:solidFill>
               </a:defRPr>
             </a:lvl1pPr>
+          </a:lstStyle>
+          <a:p>
+            <a:r>
+              <a:rPr lang="en-US"/>
+              <a:t>Click to edit Master title style</a:t>
+            </a:r>
+            <a:endParaRPr lang="en-US" dirty="0"/>
+          </a:p>
+        </p:txBody>
+      </p:sp>
+      <p:sp>
+        <p:nvSpPr>
+          <p:cNvPr id="3" name="Text Placeholder 2"/>
+          <p:cNvSpPr>
+            <a:spLocks noGrp="1"/>
+          </p:cNvSpPr>
+          <p:nvPr>
+            <p:ph type="body" idx="1"/>
+          </p:nvPr>
+        </p:nvSpPr>
+        <p:spPr>
+          <a:xfrm>
+            <a:off x="1097280" y="4453128"/>
+            <a:ext cx="10058400" cy="1143000"/>
+          </a:xfrm>
+        </p:spPr>
+        <p:txBody>
+          <a:bodyPr lIns="91440" rIns="91440" anchor="t" anchorCtr="0">
+            <a:normAutofit/>
+          </a:bodyPr>
+          <a:lstStyle>
+            <a:lvl1pPr marL="0" indent="0">
+              <a:buNone/>
+              <a:defRPr sz="2400" cap="all" spc="200" baseline="0">
+                <a:solidFill>
+                  <a:schemeClr val="tx2"/>
+                </a:solidFill>
+                <a:latin typeface="+mj-lt"/>
+              </a:defRPr>
+            </a:lvl1pPr>
             <a:lvl2pPr marL="457200" indent="0">
               <a:buNone/>
-              <a:defRPr sz="2000">
+              <a:defRPr sz="1800">
                 <a:solidFill>
                   <a:schemeClr val="tx1">
                     <a:tint val="75000"/>
@@ -1797,7 +1999,7 @@
             </a:lvl2pPr>
             <a:lvl3pPr marL="914400" indent="0">
               <a:buNone/>
-              <a:defRPr sz="1800">
+              <a:defRPr sz="1600">
                 <a:solidFill>
                   <a:schemeClr val="tx1">
                     <a:tint val="75000"/>
@@ -1807,7 +2009,7 @@
             </a:lvl3pPr>
             <a:lvl4pPr marL="1371600" indent="0">
               <a:buNone/>
-              <a:defRPr sz="1600">
+              <a:defRPr sz="1400">
                 <a:solidFill>
                   <a:schemeClr val="tx1">
                     <a:tint val="75000"/>
@@ -1817,7 +2019,7 @@
             </a:lvl4pPr>
             <a:lvl5pPr marL="1828800" indent="0">
               <a:buNone/>
-              <a:defRPr sz="1600">
+              <a:defRPr sz="1400">
                 <a:solidFill>
                   <a:schemeClr val="tx1">
                     <a:tint val="75000"/>
@@ -1827,7 +2029,7 @@
             </a:lvl5pPr>
             <a:lvl6pPr marL="2286000" indent="0">
               <a:buNone/>
-              <a:defRPr sz="1600">
+              <a:defRPr sz="1400">
                 <a:solidFill>
                   <a:schemeClr val="tx1">
                     <a:tint val="75000"/>
@@ -1837,7 +2039,7 @@
             </a:lvl6pPr>
             <a:lvl7pPr marL="2743200" indent="0">
               <a:buNone/>
-              <a:defRPr sz="1600">
+              <a:defRPr sz="1400">
                 <a:solidFill>
                   <a:schemeClr val="tx1">
                     <a:tint val="75000"/>
@@ -1847,7 +2049,7 @@
             </a:lvl7pPr>
             <a:lvl8pPr marL="3200400" indent="0">
               <a:buNone/>
-              <a:defRPr sz="1600">
+              <a:defRPr sz="1400">
                 <a:solidFill>
                   <a:schemeClr val="tx1">
                     <a:tint val="75000"/>
@@ -1857,7 +2059,7 @@
             </a:lvl8pPr>
             <a:lvl9pPr marL="3657600" indent="0">
               <a:buNone/>
-              <a:defRPr sz="1600">
+              <a:defRPr sz="1400">
                 <a:solidFill>
                   <a:schemeClr val="tx1">
                     <a:tint val="75000"/>
@@ -1877,13 +2079,7 @@
       </p:sp>
       <p:sp>
         <p:nvSpPr>
-          <p:cNvPr id="4" name="Date Placeholder 3">
-            <a:extLst>
-              <a:ext uri="{FF2B5EF4-FFF2-40B4-BE49-F238E27FC236}">
-                <a16:creationId xmlns:a16="http://schemas.microsoft.com/office/drawing/2014/main" id="{56F1DB68-8403-4C86-89F4-F34AF0FBB6BA}"/>
-              </a:ext>
-            </a:extLst>
-          </p:cNvPr>
+          <p:cNvPr id="4" name="Date Placeholder 3"/>
           <p:cNvSpPr>
             <a:spLocks noGrp="1"/>
           </p:cNvSpPr>
@@ -1906,13 +2102,7 @@
       </p:sp>
       <p:sp>
         <p:nvSpPr>
-          <p:cNvPr id="5" name="Footer Placeholder 4">
-            <a:extLst>
-              <a:ext uri="{FF2B5EF4-FFF2-40B4-BE49-F238E27FC236}">
-                <a16:creationId xmlns:a16="http://schemas.microsoft.com/office/drawing/2014/main" id="{23DD38F7-9F61-4F5F-B22E-950E09CA39C4}"/>
-              </a:ext>
-            </a:extLst>
-          </p:cNvPr>
+          <p:cNvPr id="5" name="Footer Placeholder 4"/>
           <p:cNvSpPr>
             <a:spLocks noGrp="1"/>
           </p:cNvSpPr>
@@ -1931,13 +2121,7 @@
       </p:sp>
       <p:sp>
         <p:nvSpPr>
-          <p:cNvPr id="6" name="Slide Number Placeholder 5">
-            <a:extLst>
-              <a:ext uri="{FF2B5EF4-FFF2-40B4-BE49-F238E27FC236}">
-                <a16:creationId xmlns:a16="http://schemas.microsoft.com/office/drawing/2014/main" id="{48745E0A-6582-41A9-9039-C0F700446480}"/>
-              </a:ext>
-            </a:extLst>
-          </p:cNvPr>
+          <p:cNvPr id="6" name="Slide Number Placeholder 5"/>
           <p:cNvSpPr>
             <a:spLocks noGrp="1"/>
           </p:cNvSpPr>
@@ -1958,10 +2142,48 @@
           </a:p>
         </p:txBody>
       </p:sp>
+      <p:cxnSp>
+        <p:nvCxnSpPr>
+          <p:cNvPr id="9" name="Straight Connector 8"/>
+          <p:cNvCxnSpPr/>
+          <p:nvPr/>
+        </p:nvCxnSpPr>
+        <p:spPr>
+          <a:xfrm>
+            <a:off x="1207658" y="4343400"/>
+            <a:ext cx="9875520" cy="0"/>
+          </a:xfrm>
+          <a:prstGeom prst="line">
+            <a:avLst/>
+          </a:prstGeom>
+          <a:ln w="6350">
+            <a:solidFill>
+              <a:schemeClr val="tx1">
+                <a:lumMod val="50000"/>
+                <a:lumOff val="50000"/>
+              </a:schemeClr>
+            </a:solidFill>
+          </a:ln>
+        </p:spPr>
+        <p:style>
+          <a:lnRef idx="1">
+            <a:schemeClr val="accent1"/>
+          </a:lnRef>
+          <a:fillRef idx="0">
+            <a:schemeClr val="accent1"/>
+          </a:fillRef>
+          <a:effectRef idx="0">
+            <a:schemeClr val="accent1"/>
+          </a:effectRef>
+          <a:fontRef idx="minor">
+            <a:schemeClr val="tx1"/>
+          </a:fontRef>
+        </p:style>
+      </p:cxnSp>
     </p:spTree>
     <p:extLst>
       <p:ext uri="{BB962C8B-B14F-4D97-AF65-F5344CB8AC3E}">
-        <p14:creationId xmlns:p14="http://schemas.microsoft.com/office/powerpoint/2010/main" val="619311860"/>
+        <p14:creationId xmlns:p14="http://schemas.microsoft.com/office/powerpoint/2010/main" val="1545874114"/>
       </p:ext>
     </p:extLst>
   </p:cSld>
@@ -1990,13 +2212,7 @@
       </p:grpSpPr>
       <p:sp>
         <p:nvSpPr>
-          <p:cNvPr id="2" name="Title 1">
-            <a:extLst>
-              <a:ext uri="{FF2B5EF4-FFF2-40B4-BE49-F238E27FC236}">
-                <a16:creationId xmlns:a16="http://schemas.microsoft.com/office/drawing/2014/main" id="{00B1459E-9898-4509-8F9A-FF2ACD458DC5}"/>
-              </a:ext>
-            </a:extLst>
-          </p:cNvPr>
+          <p:cNvPr id="8" name="Title 7"/>
           <p:cNvSpPr>
             <a:spLocks noGrp="1"/>
           </p:cNvSpPr>
@@ -2004,7 +2220,12 @@
             <p:ph type="title"/>
           </p:nvPr>
         </p:nvSpPr>
-        <p:spPr/>
+        <p:spPr>
+          <a:xfrm>
+            <a:off x="1097280" y="286603"/>
+            <a:ext cx="10058400" cy="1450757"/>
+          </a:xfrm>
+        </p:spPr>
         <p:txBody>
           <a:bodyPr/>
           <a:lstStyle/>
@@ -2013,19 +2234,13 @@
               <a:rPr lang="en-US"/>
               <a:t>Click to edit Master title style</a:t>
             </a:r>
-            <a:endParaRPr lang="en-IN"/>
-          </a:p>
-        </p:txBody>
-      </p:sp>
-      <p:sp>
-        <p:nvSpPr>
-          <p:cNvPr id="3" name="Content Placeholder 2">
-            <a:extLst>
-              <a:ext uri="{FF2B5EF4-FFF2-40B4-BE49-F238E27FC236}">
-                <a16:creationId xmlns:a16="http://schemas.microsoft.com/office/drawing/2014/main" id="{B28832DB-B592-42D9-942A-4985A9471933}"/>
-              </a:ext>
-            </a:extLst>
-          </p:cNvPr>
+            <a:endParaRPr lang="en-US" dirty="0"/>
+          </a:p>
+        </p:txBody>
+      </p:sp>
+      <p:sp>
+        <p:nvSpPr>
+          <p:cNvPr id="3" name="Content Placeholder 2"/>
           <p:cNvSpPr>
             <a:spLocks noGrp="1"/>
           </p:cNvSpPr>
@@ -2035,8 +2250,8 @@
         </p:nvSpPr>
         <p:spPr>
           <a:xfrm>
-            <a:off x="838200" y="1825625"/>
-            <a:ext cx="5181600" cy="4351338"/>
+            <a:off x="1097279" y="1845734"/>
+            <a:ext cx="4937760" cy="4023360"/>
           </a:xfrm>
         </p:spPr>
         <p:txBody>
@@ -2076,19 +2291,13 @@
               <a:rPr lang="en-US"/>
               <a:t>Fifth level</a:t>
             </a:r>
-            <a:endParaRPr lang="en-IN"/>
-          </a:p>
-        </p:txBody>
-      </p:sp>
-      <p:sp>
-        <p:nvSpPr>
-          <p:cNvPr id="4" name="Content Placeholder 3">
-            <a:extLst>
-              <a:ext uri="{FF2B5EF4-FFF2-40B4-BE49-F238E27FC236}">
-                <a16:creationId xmlns:a16="http://schemas.microsoft.com/office/drawing/2014/main" id="{0F592EDC-0FD6-4BF6-A90A-F5FCA1DA121B}"/>
-              </a:ext>
-            </a:extLst>
-          </p:cNvPr>
+            <a:endParaRPr lang="en-US" dirty="0"/>
+          </a:p>
+        </p:txBody>
+      </p:sp>
+      <p:sp>
+        <p:nvSpPr>
+          <p:cNvPr id="4" name="Content Placeholder 3"/>
           <p:cNvSpPr>
             <a:spLocks noGrp="1"/>
           </p:cNvSpPr>
@@ -2098,8 +2307,8 @@
         </p:nvSpPr>
         <p:spPr>
           <a:xfrm>
-            <a:off x="6172200" y="1825625"/>
-            <a:ext cx="5181600" cy="4351338"/>
+            <a:off x="6217920" y="1845735"/>
+            <a:ext cx="4937760" cy="4023360"/>
           </a:xfrm>
         </p:spPr>
         <p:txBody>
@@ -2139,19 +2348,13 @@
               <a:rPr lang="en-US"/>
               <a:t>Fifth level</a:t>
             </a:r>
-            <a:endParaRPr lang="en-IN"/>
-          </a:p>
-        </p:txBody>
-      </p:sp>
-      <p:sp>
-        <p:nvSpPr>
-          <p:cNvPr id="5" name="Date Placeholder 4">
-            <a:extLst>
-              <a:ext uri="{FF2B5EF4-FFF2-40B4-BE49-F238E27FC236}">
-                <a16:creationId xmlns:a16="http://schemas.microsoft.com/office/drawing/2014/main" id="{07CE44B5-2DD3-4503-9C72-C1F26BD712DD}"/>
-              </a:ext>
-            </a:extLst>
-          </p:cNvPr>
+            <a:endParaRPr lang="en-US" dirty="0"/>
+          </a:p>
+        </p:txBody>
+      </p:sp>
+      <p:sp>
+        <p:nvSpPr>
+          <p:cNvPr id="5" name="Date Placeholder 4"/>
           <p:cNvSpPr>
             <a:spLocks noGrp="1"/>
           </p:cNvSpPr>
@@ -2174,13 +2377,7 @@
       </p:sp>
       <p:sp>
         <p:nvSpPr>
-          <p:cNvPr id="6" name="Footer Placeholder 5">
-            <a:extLst>
-              <a:ext uri="{FF2B5EF4-FFF2-40B4-BE49-F238E27FC236}">
-                <a16:creationId xmlns:a16="http://schemas.microsoft.com/office/drawing/2014/main" id="{675F89A2-AB4C-463E-B9C9-7730D828BF51}"/>
-              </a:ext>
-            </a:extLst>
-          </p:cNvPr>
+          <p:cNvPr id="6" name="Footer Placeholder 5"/>
           <p:cNvSpPr>
             <a:spLocks noGrp="1"/>
           </p:cNvSpPr>
@@ -2199,13 +2396,7 @@
       </p:sp>
       <p:sp>
         <p:nvSpPr>
-          <p:cNvPr id="7" name="Slide Number Placeholder 6">
-            <a:extLst>
-              <a:ext uri="{FF2B5EF4-FFF2-40B4-BE49-F238E27FC236}">
-                <a16:creationId xmlns:a16="http://schemas.microsoft.com/office/drawing/2014/main" id="{343918E9-C73A-4DEB-82AA-011C619C20EB}"/>
-              </a:ext>
-            </a:extLst>
-          </p:cNvPr>
+          <p:cNvPr id="7" name="Slide Number Placeholder 6"/>
           <p:cNvSpPr>
             <a:spLocks noGrp="1"/>
           </p:cNvSpPr>
@@ -2229,7 +2420,7 @@
     </p:spTree>
     <p:extLst>
       <p:ext uri="{BB962C8B-B14F-4D97-AF65-F5344CB8AC3E}">
-        <p14:creationId xmlns:p14="http://schemas.microsoft.com/office/powerpoint/2010/main" val="2626766584"/>
+        <p14:creationId xmlns:p14="http://schemas.microsoft.com/office/powerpoint/2010/main" val="3905220240"/>
       </p:ext>
     </p:extLst>
   </p:cSld>
@@ -2258,13 +2449,7 @@
       </p:grpSpPr>
       <p:sp>
         <p:nvSpPr>
-          <p:cNvPr id="2" name="Title 1">
-            <a:extLst>
-              <a:ext uri="{FF2B5EF4-FFF2-40B4-BE49-F238E27FC236}">
-                <a16:creationId xmlns:a16="http://schemas.microsoft.com/office/drawing/2014/main" id="{601B584D-74D4-43BE-9F9C-37B9A7961C1E}"/>
-              </a:ext>
-            </a:extLst>
-          </p:cNvPr>
+          <p:cNvPr id="10" name="Title 9"/>
           <p:cNvSpPr>
             <a:spLocks noGrp="1"/>
           </p:cNvSpPr>
@@ -2274,8 +2459,8 @@
         </p:nvSpPr>
         <p:spPr>
           <a:xfrm>
-            <a:off x="839788" y="365125"/>
-            <a:ext cx="10515600" cy="1325563"/>
+            <a:off x="1097280" y="286603"/>
+            <a:ext cx="10058400" cy="1450757"/>
           </a:xfrm>
         </p:spPr>
         <p:txBody>
@@ -2286,19 +2471,13 @@
               <a:rPr lang="en-US"/>
               <a:t>Click to edit Master title style</a:t>
             </a:r>
-            <a:endParaRPr lang="en-IN"/>
-          </a:p>
-        </p:txBody>
-      </p:sp>
-      <p:sp>
-        <p:nvSpPr>
-          <p:cNvPr id="3" name="Text Placeholder 2">
-            <a:extLst>
-              <a:ext uri="{FF2B5EF4-FFF2-40B4-BE49-F238E27FC236}">
-                <a16:creationId xmlns:a16="http://schemas.microsoft.com/office/drawing/2014/main" id="{4462A6D6-80B2-4D46-8FCA-1D850E375F81}"/>
-              </a:ext>
-            </a:extLst>
-          </p:cNvPr>
+            <a:endParaRPr lang="en-US" dirty="0"/>
+          </a:p>
+        </p:txBody>
+      </p:sp>
+      <p:sp>
+        <p:nvSpPr>
+          <p:cNvPr id="3" name="Text Placeholder 2"/>
           <p:cNvSpPr>
             <a:spLocks noGrp="1"/>
           </p:cNvSpPr>
@@ -2308,16 +2487,22 @@
         </p:nvSpPr>
         <p:spPr>
           <a:xfrm>
-            <a:off x="839788" y="1681163"/>
-            <a:ext cx="5157787" cy="823912"/>
+            <a:off x="1097280" y="1846052"/>
+            <a:ext cx="4937760" cy="736282"/>
           </a:xfrm>
         </p:spPr>
         <p:txBody>
-          <a:bodyPr anchor="b"/>
+          <a:bodyPr lIns="91440" rIns="91440" anchor="ctr">
+            <a:normAutofit/>
+          </a:bodyPr>
           <a:lstStyle>
             <a:lvl1pPr marL="0" indent="0">
               <a:buNone/>
-              <a:defRPr sz="2400" b="1"/>
+              <a:defRPr sz="2000" b="0" cap="all" baseline="0">
+                <a:solidFill>
+                  <a:schemeClr val="tx2"/>
+                </a:solidFill>
+              </a:defRPr>
             </a:lvl1pPr>
             <a:lvl2pPr marL="457200" indent="0">
               <a:buNone/>
@@ -2363,13 +2548,7 @@
       </p:sp>
       <p:sp>
         <p:nvSpPr>
-          <p:cNvPr id="4" name="Content Placeholder 3">
-            <a:extLst>
-              <a:ext uri="{FF2B5EF4-FFF2-40B4-BE49-F238E27FC236}">
-                <a16:creationId xmlns:a16="http://schemas.microsoft.com/office/drawing/2014/main" id="{1A2DA3C5-BE00-450D-95E2-69A15FCA3C99}"/>
-              </a:ext>
-            </a:extLst>
-          </p:cNvPr>
+          <p:cNvPr id="4" name="Content Placeholder 3"/>
           <p:cNvSpPr>
             <a:spLocks noGrp="1"/>
           </p:cNvSpPr>
@@ -2379,8 +2558,8 @@
         </p:nvSpPr>
         <p:spPr>
           <a:xfrm>
-            <a:off x="839788" y="2505075"/>
-            <a:ext cx="5157787" cy="3684588"/>
+            <a:off x="1097280" y="2582334"/>
+            <a:ext cx="4937760" cy="3378200"/>
           </a:xfrm>
         </p:spPr>
         <p:txBody>
@@ -2420,19 +2599,13 @@
               <a:rPr lang="en-US"/>
               <a:t>Fifth level</a:t>
             </a:r>
-            <a:endParaRPr lang="en-IN"/>
-          </a:p>
-        </p:txBody>
-      </p:sp>
-      <p:sp>
-        <p:nvSpPr>
-          <p:cNvPr id="5" name="Text Placeholder 4">
-            <a:extLst>
-              <a:ext uri="{FF2B5EF4-FFF2-40B4-BE49-F238E27FC236}">
-                <a16:creationId xmlns:a16="http://schemas.microsoft.com/office/drawing/2014/main" id="{FEF0EBC5-B3FD-425D-A3A5-8FAE9C763320}"/>
-              </a:ext>
-            </a:extLst>
-          </p:cNvPr>
+            <a:endParaRPr lang="en-US" dirty="0"/>
+          </a:p>
+        </p:txBody>
+      </p:sp>
+      <p:sp>
+        <p:nvSpPr>
+          <p:cNvPr id="5" name="Text Placeholder 4"/>
           <p:cNvSpPr>
             <a:spLocks noGrp="1"/>
           </p:cNvSpPr>
@@ -2442,16 +2615,22 @@
         </p:nvSpPr>
         <p:spPr>
           <a:xfrm>
-            <a:off x="6172200" y="1681163"/>
-            <a:ext cx="5183188" cy="823912"/>
+            <a:off x="6217920" y="1846052"/>
+            <a:ext cx="4937760" cy="736282"/>
           </a:xfrm>
         </p:spPr>
         <p:txBody>
-          <a:bodyPr anchor="b"/>
+          <a:bodyPr lIns="91440" rIns="91440" anchor="ctr">
+            <a:normAutofit/>
+          </a:bodyPr>
           <a:lstStyle>
             <a:lvl1pPr marL="0" indent="0">
               <a:buNone/>
-              <a:defRPr sz="2400" b="1"/>
+              <a:defRPr sz="2000" b="0" cap="all" baseline="0">
+                <a:solidFill>
+                  <a:schemeClr val="tx2"/>
+                </a:solidFill>
+              </a:defRPr>
             </a:lvl1pPr>
             <a:lvl2pPr marL="457200" indent="0">
               <a:buNone/>
@@ -2497,13 +2676,7 @@
       </p:sp>
       <p:sp>
         <p:nvSpPr>
-          <p:cNvPr id="6" name="Content Placeholder 5">
-            <a:extLst>
-              <a:ext uri="{FF2B5EF4-FFF2-40B4-BE49-F238E27FC236}">
-                <a16:creationId xmlns:a16="http://schemas.microsoft.com/office/drawing/2014/main" id="{F9D8DFDA-364C-4239-A172-21CCA628EE58}"/>
-              </a:ext>
-            </a:extLst>
-          </p:cNvPr>
+          <p:cNvPr id="6" name="Content Placeholder 5"/>
           <p:cNvSpPr>
             <a:spLocks noGrp="1"/>
           </p:cNvSpPr>
@@ -2513,8 +2686,8 @@
         </p:nvSpPr>
         <p:spPr>
           <a:xfrm>
-            <a:off x="6172200" y="2505075"/>
-            <a:ext cx="5183188" cy="3684588"/>
+            <a:off x="6217920" y="2582334"/>
+            <a:ext cx="4937760" cy="3378200"/>
           </a:xfrm>
         </p:spPr>
         <p:txBody>
@@ -2554,19 +2727,13 @@
               <a:rPr lang="en-US"/>
               <a:t>Fifth level</a:t>
             </a:r>
-            <a:endParaRPr lang="en-IN"/>
-          </a:p>
-        </p:txBody>
-      </p:sp>
-      <p:sp>
-        <p:nvSpPr>
-          <p:cNvPr id="7" name="Date Placeholder 6">
-            <a:extLst>
-              <a:ext uri="{FF2B5EF4-FFF2-40B4-BE49-F238E27FC236}">
-                <a16:creationId xmlns:a16="http://schemas.microsoft.com/office/drawing/2014/main" id="{741A9561-A1FC-4F78-B72B-C32A522C0343}"/>
-              </a:ext>
-            </a:extLst>
-          </p:cNvPr>
+            <a:endParaRPr lang="en-US" dirty="0"/>
+          </a:p>
+        </p:txBody>
+      </p:sp>
+      <p:sp>
+        <p:nvSpPr>
+          <p:cNvPr id="7" name="Date Placeholder 6"/>
           <p:cNvSpPr>
             <a:spLocks noGrp="1"/>
           </p:cNvSpPr>
@@ -2589,13 +2756,7 @@
       </p:sp>
       <p:sp>
         <p:nvSpPr>
-          <p:cNvPr id="8" name="Footer Placeholder 7">
-            <a:extLst>
-              <a:ext uri="{FF2B5EF4-FFF2-40B4-BE49-F238E27FC236}">
-                <a16:creationId xmlns:a16="http://schemas.microsoft.com/office/drawing/2014/main" id="{07075CB6-AD0A-4AC6-9661-696641C9F050}"/>
-              </a:ext>
-            </a:extLst>
-          </p:cNvPr>
+          <p:cNvPr id="8" name="Footer Placeholder 7"/>
           <p:cNvSpPr>
             <a:spLocks noGrp="1"/>
           </p:cNvSpPr>
@@ -2614,13 +2775,7 @@
       </p:sp>
       <p:sp>
         <p:nvSpPr>
-          <p:cNvPr id="9" name="Slide Number Placeholder 8">
-            <a:extLst>
-              <a:ext uri="{FF2B5EF4-FFF2-40B4-BE49-F238E27FC236}">
-                <a16:creationId xmlns:a16="http://schemas.microsoft.com/office/drawing/2014/main" id="{DD07BD6E-7F9D-47E1-B348-4616B192804B}"/>
-              </a:ext>
-            </a:extLst>
-          </p:cNvPr>
+          <p:cNvPr id="9" name="Slide Number Placeholder 8"/>
           <p:cNvSpPr>
             <a:spLocks noGrp="1"/>
           </p:cNvSpPr>
@@ -2644,7 +2799,7 @@
     </p:spTree>
     <p:extLst>
       <p:ext uri="{BB962C8B-B14F-4D97-AF65-F5344CB8AC3E}">
-        <p14:creationId xmlns:p14="http://schemas.microsoft.com/office/powerpoint/2010/main" val="3643999951"/>
+        <p14:creationId xmlns:p14="http://schemas.microsoft.com/office/powerpoint/2010/main" val="3508157319"/>
       </p:ext>
     </p:extLst>
   </p:cSld>
@@ -2673,13 +2828,7 @@
       </p:grpSpPr>
       <p:sp>
         <p:nvSpPr>
-          <p:cNvPr id="2" name="Title 1">
-            <a:extLst>
-              <a:ext uri="{FF2B5EF4-FFF2-40B4-BE49-F238E27FC236}">
-                <a16:creationId xmlns:a16="http://schemas.microsoft.com/office/drawing/2014/main" id="{EBFE8AAF-5C69-4566-AFE5-FD2822031B2C}"/>
-              </a:ext>
-            </a:extLst>
-          </p:cNvPr>
+          <p:cNvPr id="2" name="Title 1"/>
           <p:cNvSpPr>
             <a:spLocks noGrp="1"/>
           </p:cNvSpPr>
@@ -2696,19 +2845,13 @@
               <a:rPr lang="en-US"/>
               <a:t>Click to edit Master title style</a:t>
             </a:r>
-            <a:endParaRPr lang="en-IN"/>
-          </a:p>
-        </p:txBody>
-      </p:sp>
-      <p:sp>
-        <p:nvSpPr>
-          <p:cNvPr id="3" name="Date Placeholder 2">
-            <a:extLst>
-              <a:ext uri="{FF2B5EF4-FFF2-40B4-BE49-F238E27FC236}">
-                <a16:creationId xmlns:a16="http://schemas.microsoft.com/office/drawing/2014/main" id="{1D4A5B72-A719-4AA5-BD22-7F8614C2384F}"/>
-              </a:ext>
-            </a:extLst>
-          </p:cNvPr>
+            <a:endParaRPr lang="en-US" dirty="0"/>
+          </a:p>
+        </p:txBody>
+      </p:sp>
+      <p:sp>
+        <p:nvSpPr>
+          <p:cNvPr id="3" name="Date Placeholder 2"/>
           <p:cNvSpPr>
             <a:spLocks noGrp="1"/>
           </p:cNvSpPr>
@@ -2731,13 +2874,7 @@
       </p:sp>
       <p:sp>
         <p:nvSpPr>
-          <p:cNvPr id="4" name="Footer Placeholder 3">
-            <a:extLst>
-              <a:ext uri="{FF2B5EF4-FFF2-40B4-BE49-F238E27FC236}">
-                <a16:creationId xmlns:a16="http://schemas.microsoft.com/office/drawing/2014/main" id="{DAB29829-2504-4F58-940E-FC320FE8B52A}"/>
-              </a:ext>
-            </a:extLst>
-          </p:cNvPr>
+          <p:cNvPr id="4" name="Footer Placeholder 3"/>
           <p:cNvSpPr>
             <a:spLocks noGrp="1"/>
           </p:cNvSpPr>
@@ -2756,13 +2893,7 @@
       </p:sp>
       <p:sp>
         <p:nvSpPr>
-          <p:cNvPr id="5" name="Slide Number Placeholder 4">
-            <a:extLst>
-              <a:ext uri="{FF2B5EF4-FFF2-40B4-BE49-F238E27FC236}">
-                <a16:creationId xmlns:a16="http://schemas.microsoft.com/office/drawing/2014/main" id="{FC8CDF74-1D9E-432D-BFEB-C528EED43178}"/>
-              </a:ext>
-            </a:extLst>
-          </p:cNvPr>
+          <p:cNvPr id="5" name="Slide Number Placeholder 4"/>
           <p:cNvSpPr>
             <a:spLocks noGrp="1"/>
           </p:cNvSpPr>
@@ -2786,7 +2917,7 @@
     </p:spTree>
     <p:extLst>
       <p:ext uri="{BB962C8B-B14F-4D97-AF65-F5344CB8AC3E}">
-        <p14:creationId xmlns:p14="http://schemas.microsoft.com/office/powerpoint/2010/main" val="1461184368"/>
+        <p14:creationId xmlns:p14="http://schemas.microsoft.com/office/powerpoint/2010/main" val="2472623442"/>
       </p:ext>
     </p:extLst>
   </p:cSld>
@@ -2797,7 +2928,7 @@
 </file>
 
 <file path=ppt/slideLayouts/slideLayout7.xml><?xml version="1.0" encoding="utf-8"?>
-<p:sldLayout xmlns:a="http://schemas.openxmlformats.org/drawingml/2006/main" xmlns:r="http://schemas.openxmlformats.org/officeDocument/2006/relationships" xmlns:p="http://schemas.openxmlformats.org/presentationml/2006/main" type="blank" preserve="1">
+<p:sldLayout xmlns:a="http://schemas.openxmlformats.org/drawingml/2006/main" xmlns:r="http://schemas.openxmlformats.org/officeDocument/2006/relationships" xmlns:p="http://schemas.openxmlformats.org/presentationml/2006/main" showMasterSp="0" type="blank" preserve="1">
   <p:cSld name="Blank">
     <p:spTree>
       <p:nvGrpSpPr>
@@ -2815,13 +2946,83 @@
       </p:grpSpPr>
       <p:sp>
         <p:nvSpPr>
-          <p:cNvPr id="2" name="Date Placeholder 1">
-            <a:extLst>
-              <a:ext uri="{FF2B5EF4-FFF2-40B4-BE49-F238E27FC236}">
-                <a16:creationId xmlns:a16="http://schemas.microsoft.com/office/drawing/2014/main" id="{30940E83-FBAD-422C-8639-6FDF2F0F37B1}"/>
-              </a:ext>
-            </a:extLst>
-          </p:cNvPr>
+          <p:cNvPr id="5" name="Rectangle 4"/>
+          <p:cNvSpPr/>
+          <p:nvPr/>
+        </p:nvSpPr>
+        <p:spPr>
+          <a:xfrm>
+            <a:off x="3175" y="6400800"/>
+            <a:ext cx="12188825" cy="457200"/>
+          </a:xfrm>
+          <a:prstGeom prst="rect">
+            <a:avLst/>
+          </a:prstGeom>
+          <a:solidFill>
+            <a:schemeClr val="accent2"/>
+          </a:solidFill>
+          <a:ln>
+            <a:noFill/>
+          </a:ln>
+        </p:spPr>
+        <p:style>
+          <a:lnRef idx="2">
+            <a:schemeClr val="accent1">
+              <a:shade val="50000"/>
+            </a:schemeClr>
+          </a:lnRef>
+          <a:fillRef idx="1">
+            <a:schemeClr val="accent1"/>
+          </a:fillRef>
+          <a:effectRef idx="0">
+            <a:schemeClr val="accent1"/>
+          </a:effectRef>
+          <a:fontRef idx="minor">
+            <a:schemeClr val="lt1"/>
+          </a:fontRef>
+        </p:style>
+      </p:sp>
+      <p:sp>
+        <p:nvSpPr>
+          <p:cNvPr id="6" name="Rectangle 5"/>
+          <p:cNvSpPr/>
+          <p:nvPr/>
+        </p:nvSpPr>
+        <p:spPr>
+          <a:xfrm>
+            <a:off x="15" y="6334316"/>
+            <a:ext cx="12188825" cy="64008"/>
+          </a:xfrm>
+          <a:prstGeom prst="rect">
+            <a:avLst/>
+          </a:prstGeom>
+          <a:solidFill>
+            <a:schemeClr val="accent1"/>
+          </a:solidFill>
+          <a:ln>
+            <a:noFill/>
+          </a:ln>
+        </p:spPr>
+        <p:style>
+          <a:lnRef idx="2">
+            <a:schemeClr val="accent1">
+              <a:shade val="50000"/>
+            </a:schemeClr>
+          </a:lnRef>
+          <a:fillRef idx="1">
+            <a:schemeClr val="accent1"/>
+          </a:fillRef>
+          <a:effectRef idx="0">
+            <a:schemeClr val="accent1"/>
+          </a:effectRef>
+          <a:fontRef idx="minor">
+            <a:schemeClr val="lt1"/>
+          </a:fontRef>
+        </p:style>
+      </p:sp>
+      <p:sp>
+        <p:nvSpPr>
+          <p:cNvPr id="7" name="Date Placeholder 6"/>
           <p:cNvSpPr>
             <a:spLocks noGrp="1"/>
           </p:cNvSpPr>
@@ -2844,13 +3045,7 @@
       </p:sp>
       <p:sp>
         <p:nvSpPr>
-          <p:cNvPr id="3" name="Footer Placeholder 2">
-            <a:extLst>
-              <a:ext uri="{FF2B5EF4-FFF2-40B4-BE49-F238E27FC236}">
-                <a16:creationId xmlns:a16="http://schemas.microsoft.com/office/drawing/2014/main" id="{C5805180-3EF8-40CF-9BF7-410F0B6993A2}"/>
-              </a:ext>
-            </a:extLst>
-          </p:cNvPr>
+          <p:cNvPr id="8" name="Footer Placeholder 7"/>
           <p:cNvSpPr>
             <a:spLocks noGrp="1"/>
           </p:cNvSpPr>
@@ -2861,7 +3056,15 @@
         <p:spPr/>
         <p:txBody>
           <a:bodyPr/>
-          <a:lstStyle/>
+          <a:lstStyle>
+            <a:lvl1pPr>
+              <a:defRPr>
+                <a:solidFill>
+                  <a:srgbClr val="FFFFFF"/>
+                </a:solidFill>
+              </a:defRPr>
+            </a:lvl1pPr>
+          </a:lstStyle>
           <a:p>
             <a:endParaRPr lang="en-IN"/>
           </a:p>
@@ -2869,13 +3072,7 @@
       </p:sp>
       <p:sp>
         <p:nvSpPr>
-          <p:cNvPr id="4" name="Slide Number Placeholder 3">
-            <a:extLst>
-              <a:ext uri="{FF2B5EF4-FFF2-40B4-BE49-F238E27FC236}">
-                <a16:creationId xmlns:a16="http://schemas.microsoft.com/office/drawing/2014/main" id="{105771FE-CBD6-41D2-8C6E-ABC28B206778}"/>
-              </a:ext>
-            </a:extLst>
-          </p:cNvPr>
+          <p:cNvPr id="9" name="Slide Number Placeholder 8"/>
           <p:cNvSpPr>
             <a:spLocks noGrp="1"/>
           </p:cNvSpPr>
@@ -2899,7 +3096,7 @@
     </p:spTree>
     <p:extLst>
       <p:ext uri="{BB962C8B-B14F-4D97-AF65-F5344CB8AC3E}">
-        <p14:creationId xmlns:p14="http://schemas.microsoft.com/office/powerpoint/2010/main" val="1643819561"/>
+        <p14:creationId xmlns:p14="http://schemas.microsoft.com/office/powerpoint/2010/main" val="2120834850"/>
       </p:ext>
     </p:extLst>
   </p:cSld>
@@ -2910,7 +3107,7 @@
 </file>
 
 <file path=ppt/slideLayouts/slideLayout8.xml><?xml version="1.0" encoding="utf-8"?>
-<p:sldLayout xmlns:a="http://schemas.openxmlformats.org/drawingml/2006/main" xmlns:r="http://schemas.openxmlformats.org/officeDocument/2006/relationships" xmlns:p="http://schemas.openxmlformats.org/presentationml/2006/main" type="objTx" preserve="1">
+<p:sldLayout xmlns:a="http://schemas.openxmlformats.org/drawingml/2006/main" xmlns:r="http://schemas.openxmlformats.org/officeDocument/2006/relationships" xmlns:p="http://schemas.openxmlformats.org/presentationml/2006/main" showMasterSp="0" type="objTx" preserve="1">
   <p:cSld name="Content with Caption">
     <p:spTree>
       <p:nvGrpSpPr>
@@ -2928,31 +3125,107 @@
       </p:grpSpPr>
       <p:sp>
         <p:nvSpPr>
-          <p:cNvPr id="2" name="Title 1">
-            <a:extLst>
-              <a:ext uri="{FF2B5EF4-FFF2-40B4-BE49-F238E27FC236}">
-                <a16:creationId xmlns:a16="http://schemas.microsoft.com/office/drawing/2014/main" id="{1EE48DF8-2431-42E9-879B-00A39A25BCE7}"/>
-              </a:ext>
-            </a:extLst>
-          </p:cNvPr>
-          <p:cNvSpPr>
-            <a:spLocks noGrp="1"/>
-          </p:cNvSpPr>
-          <p:nvPr>
-            <p:ph type="title"/>
-          </p:nvPr>
+          <p:cNvPr id="8" name="Rectangle 7"/>
+          <p:cNvSpPr/>
+          <p:nvPr/>
         </p:nvSpPr>
         <p:spPr>
           <a:xfrm>
-            <a:off x="839788" y="457200"/>
-            <a:ext cx="3932237" cy="1600200"/>
+            <a:off x="16" y="0"/>
+            <a:ext cx="4050791" cy="6858000"/>
+          </a:xfrm>
+          <a:prstGeom prst="rect">
+            <a:avLst/>
+          </a:prstGeom>
+          <a:solidFill>
+            <a:schemeClr val="accent2"/>
+          </a:solidFill>
+          <a:ln>
+            <a:noFill/>
+          </a:ln>
+        </p:spPr>
+        <p:style>
+          <a:lnRef idx="2">
+            <a:schemeClr val="accent1">
+              <a:shade val="50000"/>
+            </a:schemeClr>
+          </a:lnRef>
+          <a:fillRef idx="1">
+            <a:schemeClr val="accent1"/>
+          </a:fillRef>
+          <a:effectRef idx="0">
+            <a:schemeClr val="accent1"/>
+          </a:effectRef>
+          <a:fontRef idx="minor">
+            <a:schemeClr val="lt1"/>
+          </a:fontRef>
+        </p:style>
+      </p:sp>
+      <p:sp>
+        <p:nvSpPr>
+          <p:cNvPr id="9" name="Rectangle 8"/>
+          <p:cNvSpPr/>
+          <p:nvPr/>
+        </p:nvSpPr>
+        <p:spPr>
+          <a:xfrm>
+            <a:off x="4040071" y="0"/>
+            <a:ext cx="64008" cy="6858000"/>
+          </a:xfrm>
+          <a:prstGeom prst="rect">
+            <a:avLst/>
+          </a:prstGeom>
+          <a:solidFill>
+            <a:schemeClr val="accent1"/>
+          </a:solidFill>
+          <a:ln>
+            <a:noFill/>
+          </a:ln>
+        </p:spPr>
+        <p:style>
+          <a:lnRef idx="2">
+            <a:schemeClr val="accent1">
+              <a:shade val="50000"/>
+            </a:schemeClr>
+          </a:lnRef>
+          <a:fillRef idx="1">
+            <a:schemeClr val="accent1"/>
+          </a:fillRef>
+          <a:effectRef idx="0">
+            <a:schemeClr val="accent1"/>
+          </a:effectRef>
+          <a:fontRef idx="minor">
+            <a:schemeClr val="lt1"/>
+          </a:fontRef>
+        </p:style>
+      </p:sp>
+      <p:sp>
+        <p:nvSpPr>
+          <p:cNvPr id="2" name="Title 1"/>
+          <p:cNvSpPr>
+            <a:spLocks noGrp="1"/>
+          </p:cNvSpPr>
+          <p:nvPr>
+            <p:ph type="title"/>
+          </p:nvPr>
+        </p:nvSpPr>
+        <p:spPr>
+          <a:xfrm>
+            <a:off x="457200" y="594359"/>
+            <a:ext cx="3200400" cy="2286000"/>
           </a:xfrm>
         </p:spPr>
         <p:txBody>
-          <a:bodyPr anchor="b"/>
+          <a:bodyPr anchor="b">
+            <a:normAutofit/>
+          </a:bodyPr>
           <a:lstStyle>
             <a:lvl1pPr>
-              <a:defRPr sz="3200"/>
+              <a:defRPr sz="3600" b="0">
+                <a:solidFill>
+                  <a:srgbClr val="FFFFFF"/>
+                </a:solidFill>
+              </a:defRPr>
             </a:lvl1pPr>
           </a:lstStyle>
           <a:p>
@@ -2960,19 +3233,13 @@
               <a:rPr lang="en-US"/>
               <a:t>Click to edit Master title style</a:t>
             </a:r>
-            <a:endParaRPr lang="en-IN"/>
-          </a:p>
-        </p:txBody>
-      </p:sp>
-      <p:sp>
-        <p:nvSpPr>
-          <p:cNvPr id="3" name="Content Placeholder 2">
-            <a:extLst>
-              <a:ext uri="{FF2B5EF4-FFF2-40B4-BE49-F238E27FC236}">
-                <a16:creationId xmlns:a16="http://schemas.microsoft.com/office/drawing/2014/main" id="{1A0549F7-09AC-4BF4-9D94-B15058944BE2}"/>
-              </a:ext>
-            </a:extLst>
-          </p:cNvPr>
+            <a:endParaRPr lang="en-US" dirty="0"/>
+          </a:p>
+        </p:txBody>
+      </p:sp>
+      <p:sp>
+        <p:nvSpPr>
+          <p:cNvPr id="3" name="Content Placeholder 2"/>
           <p:cNvSpPr>
             <a:spLocks noGrp="1"/>
           </p:cNvSpPr>
@@ -2982,39 +3249,111 @@
         </p:nvSpPr>
         <p:spPr>
           <a:xfrm>
-            <a:off x="5183188" y="987425"/>
-            <a:ext cx="6172200" cy="4873625"/>
+            <a:off x="4800600" y="731520"/>
+            <a:ext cx="6492240" cy="5257800"/>
           </a:xfrm>
         </p:spPr>
         <p:txBody>
           <a:bodyPr/>
+          <a:lstStyle/>
+          <a:p>
+            <a:pPr lvl="0"/>
+            <a:r>
+              <a:rPr lang="en-US"/>
+              <a:t>Click to edit Master text styles</a:t>
+            </a:r>
+          </a:p>
+          <a:p>
+            <a:pPr lvl="1"/>
+            <a:r>
+              <a:rPr lang="en-US"/>
+              <a:t>Second level</a:t>
+            </a:r>
+          </a:p>
+          <a:p>
+            <a:pPr lvl="2"/>
+            <a:r>
+              <a:rPr lang="en-US"/>
+              <a:t>Third level</a:t>
+            </a:r>
+          </a:p>
+          <a:p>
+            <a:pPr lvl="3"/>
+            <a:r>
+              <a:rPr lang="en-US"/>
+              <a:t>Fourth level</a:t>
+            </a:r>
+          </a:p>
+          <a:p>
+            <a:pPr lvl="4"/>
+            <a:r>
+              <a:rPr lang="en-US"/>
+              <a:t>Fifth level</a:t>
+            </a:r>
+            <a:endParaRPr lang="en-US" dirty="0"/>
+          </a:p>
+        </p:txBody>
+      </p:sp>
+      <p:sp>
+        <p:nvSpPr>
+          <p:cNvPr id="4" name="Text Placeholder 3"/>
+          <p:cNvSpPr>
+            <a:spLocks noGrp="1"/>
+          </p:cNvSpPr>
+          <p:nvPr>
+            <p:ph type="body" sz="half" idx="2"/>
+          </p:nvPr>
+        </p:nvSpPr>
+        <p:spPr>
+          <a:xfrm>
+            <a:off x="457200" y="2926080"/>
+            <a:ext cx="3200400" cy="3379124"/>
+          </a:xfrm>
+        </p:spPr>
+        <p:txBody>
+          <a:bodyPr lIns="91440" rIns="91440">
+            <a:normAutofit/>
+          </a:bodyPr>
           <a:lstStyle>
-            <a:lvl1pPr>
-              <a:defRPr sz="3200"/>
+            <a:lvl1pPr marL="0" indent="0">
+              <a:buNone/>
+              <a:defRPr sz="1500">
+                <a:solidFill>
+                  <a:srgbClr val="FFFFFF"/>
+                </a:solidFill>
+              </a:defRPr>
             </a:lvl1pPr>
-            <a:lvl2pPr>
-              <a:defRPr sz="2800"/>
+            <a:lvl2pPr marL="457200" indent="0">
+              <a:buNone/>
+              <a:defRPr sz="1200"/>
             </a:lvl2pPr>
-            <a:lvl3pPr>
-              <a:defRPr sz="2400"/>
+            <a:lvl3pPr marL="914400" indent="0">
+              <a:buNone/>
+              <a:defRPr sz="1000"/>
             </a:lvl3pPr>
-            <a:lvl4pPr>
-              <a:defRPr sz="2000"/>
+            <a:lvl4pPr marL="1371600" indent="0">
+              <a:buNone/>
+              <a:defRPr sz="900"/>
             </a:lvl4pPr>
-            <a:lvl5pPr>
-              <a:defRPr sz="2000"/>
+            <a:lvl5pPr marL="1828800" indent="0">
+              <a:buNone/>
+              <a:defRPr sz="900"/>
             </a:lvl5pPr>
-            <a:lvl6pPr>
-              <a:defRPr sz="2000"/>
+            <a:lvl6pPr marL="2286000" indent="0">
+              <a:buNone/>
+              <a:defRPr sz="900"/>
             </a:lvl6pPr>
-            <a:lvl7pPr>
-              <a:defRPr sz="2000"/>
+            <a:lvl7pPr marL="2743200" indent="0">
+              <a:buNone/>
+              <a:defRPr sz="900"/>
             </a:lvl7pPr>
-            <a:lvl8pPr>
-              <a:defRPr sz="2000"/>
+            <a:lvl8pPr marL="3200400" indent="0">
+              <a:buNone/>
+              <a:defRPr sz="900"/>
             </a:lvl8pPr>
-            <a:lvl9pPr>
-              <a:defRPr sz="2000"/>
+            <a:lvl9pPr marL="3657600" indent="0">
+              <a:buNone/>
+              <a:defRPr sz="900"/>
             </a:lvl9pPr>
           </a:lstStyle>
           <a:p>
@@ -3024,128 +3363,31 @@
               <a:t>Click to edit Master text styles</a:t>
             </a:r>
           </a:p>
-          <a:p>
-            <a:pPr lvl="1"/>
-            <a:r>
-              <a:rPr lang="en-US"/>
-              <a:t>Second level</a:t>
-            </a:r>
-          </a:p>
-          <a:p>
-            <a:pPr lvl="2"/>
-            <a:r>
-              <a:rPr lang="en-US"/>
-              <a:t>Third level</a:t>
-            </a:r>
-          </a:p>
-          <a:p>
-            <a:pPr lvl="3"/>
-            <a:r>
-              <a:rPr lang="en-US"/>
-              <a:t>Fourth level</a:t>
-            </a:r>
-          </a:p>
-          <a:p>
-            <a:pPr lvl="4"/>
-            <a:r>
-              <a:rPr lang="en-US"/>
-              <a:t>Fifth level</a:t>
-            </a:r>
-            <a:endParaRPr lang="en-IN"/>
-          </a:p>
-        </p:txBody>
-      </p:sp>
-      <p:sp>
-        <p:nvSpPr>
-          <p:cNvPr id="4" name="Text Placeholder 3">
-            <a:extLst>
-              <a:ext uri="{FF2B5EF4-FFF2-40B4-BE49-F238E27FC236}">
-                <a16:creationId xmlns:a16="http://schemas.microsoft.com/office/drawing/2014/main" id="{5C5E5E88-432E-4875-AAF0-9EFADF77800D}"/>
-              </a:ext>
-            </a:extLst>
-          </p:cNvPr>
-          <p:cNvSpPr>
-            <a:spLocks noGrp="1"/>
-          </p:cNvSpPr>
-          <p:nvPr>
-            <p:ph type="body" sz="half" idx="2"/>
+        </p:txBody>
+      </p:sp>
+      <p:sp>
+        <p:nvSpPr>
+          <p:cNvPr id="5" name="Date Placeholder 4"/>
+          <p:cNvSpPr>
+            <a:spLocks noGrp="1"/>
+          </p:cNvSpPr>
+          <p:nvPr>
+            <p:ph type="dt" sz="half" idx="10"/>
           </p:nvPr>
         </p:nvSpPr>
         <p:spPr>
           <a:xfrm>
-            <a:off x="839788" y="2057400"/>
-            <a:ext cx="3932237" cy="3811588"/>
+            <a:off x="465512" y="6459785"/>
+            <a:ext cx="2618510" cy="365125"/>
           </a:xfrm>
         </p:spPr>
         <p:txBody>
           <a:bodyPr/>
           <a:lstStyle>
-            <a:lvl1pPr marL="0" indent="0">
-              <a:buNone/>
-              <a:defRPr sz="1600"/>
+            <a:lvl1pPr algn="l">
+              <a:defRPr/>
             </a:lvl1pPr>
-            <a:lvl2pPr marL="457200" indent="0">
-              <a:buNone/>
-              <a:defRPr sz="1400"/>
-            </a:lvl2pPr>
-            <a:lvl3pPr marL="914400" indent="0">
-              <a:buNone/>
-              <a:defRPr sz="1200"/>
-            </a:lvl3pPr>
-            <a:lvl4pPr marL="1371600" indent="0">
-              <a:buNone/>
-              <a:defRPr sz="1000"/>
-            </a:lvl4pPr>
-            <a:lvl5pPr marL="1828800" indent="0">
-              <a:buNone/>
-              <a:defRPr sz="1000"/>
-            </a:lvl5pPr>
-            <a:lvl6pPr marL="2286000" indent="0">
-              <a:buNone/>
-              <a:defRPr sz="1000"/>
-            </a:lvl6pPr>
-            <a:lvl7pPr marL="2743200" indent="0">
-              <a:buNone/>
-              <a:defRPr sz="1000"/>
-            </a:lvl7pPr>
-            <a:lvl8pPr marL="3200400" indent="0">
-              <a:buNone/>
-              <a:defRPr sz="1000"/>
-            </a:lvl8pPr>
-            <a:lvl9pPr marL="3657600" indent="0">
-              <a:buNone/>
-              <a:defRPr sz="1000"/>
-            </a:lvl9pPr>
           </a:lstStyle>
-          <a:p>
-            <a:pPr lvl="0"/>
-            <a:r>
-              <a:rPr lang="en-US"/>
-              <a:t>Click to edit Master text styles</a:t>
-            </a:r>
-          </a:p>
-        </p:txBody>
-      </p:sp>
-      <p:sp>
-        <p:nvSpPr>
-          <p:cNvPr id="5" name="Date Placeholder 4">
-            <a:extLst>
-              <a:ext uri="{FF2B5EF4-FFF2-40B4-BE49-F238E27FC236}">
-                <a16:creationId xmlns:a16="http://schemas.microsoft.com/office/drawing/2014/main" id="{204936E0-BC04-44BD-A9E3-11AAA12266D1}"/>
-              </a:ext>
-            </a:extLst>
-          </p:cNvPr>
-          <p:cNvSpPr>
-            <a:spLocks noGrp="1"/>
-          </p:cNvSpPr>
-          <p:nvPr>
-            <p:ph type="dt" sz="half" idx="10"/>
-          </p:nvPr>
-        </p:nvSpPr>
-        <p:spPr/>
-        <p:txBody>
-          <a:bodyPr/>
-          <a:lstStyle/>
           <a:p>
             <a:fld id="{BC922F81-6A56-4AA9-A2A0-3AD7B59BB69B}" type="datetimeFigureOut">
               <a:rPr lang="en-IN" smtClean="0"/>
@@ -3157,13 +3399,7 @@
       </p:sp>
       <p:sp>
         <p:nvSpPr>
-          <p:cNvPr id="6" name="Footer Placeholder 5">
-            <a:extLst>
-              <a:ext uri="{FF2B5EF4-FFF2-40B4-BE49-F238E27FC236}">
-                <a16:creationId xmlns:a16="http://schemas.microsoft.com/office/drawing/2014/main" id="{C4C8FA47-DE9F-471A-98C4-163F4A698939}"/>
-              </a:ext>
-            </a:extLst>
-          </p:cNvPr>
+          <p:cNvPr id="6" name="Footer Placeholder 5"/>
           <p:cNvSpPr>
             <a:spLocks noGrp="1"/>
           </p:cNvSpPr>
@@ -3171,35 +3407,50 @@
             <p:ph type="ftr" sz="quarter" idx="11"/>
           </p:nvPr>
         </p:nvSpPr>
+        <p:spPr>
+          <a:xfrm>
+            <a:off x="4800600" y="6459785"/>
+            <a:ext cx="4648200" cy="365125"/>
+          </a:xfrm>
+        </p:spPr>
+        <p:txBody>
+          <a:bodyPr/>
+          <a:lstStyle>
+            <a:lvl1pPr algn="l">
+              <a:defRPr>
+                <a:solidFill>
+                  <a:schemeClr val="tx2"/>
+                </a:solidFill>
+              </a:defRPr>
+            </a:lvl1pPr>
+          </a:lstStyle>
+          <a:p>
+            <a:endParaRPr lang="en-IN"/>
+          </a:p>
+        </p:txBody>
+      </p:sp>
+      <p:sp>
+        <p:nvSpPr>
+          <p:cNvPr id="7" name="Slide Number Placeholder 6"/>
+          <p:cNvSpPr>
+            <a:spLocks noGrp="1"/>
+          </p:cNvSpPr>
+          <p:nvPr>
+            <p:ph type="sldNum" sz="quarter" idx="12"/>
+          </p:nvPr>
+        </p:nvSpPr>
         <p:spPr/>
         <p:txBody>
           <a:bodyPr/>
-          <a:lstStyle/>
-          <a:p>
-            <a:endParaRPr lang="en-IN"/>
-          </a:p>
-        </p:txBody>
-      </p:sp>
-      <p:sp>
-        <p:nvSpPr>
-          <p:cNvPr id="7" name="Slide Number Placeholder 6">
-            <a:extLst>
-              <a:ext uri="{FF2B5EF4-FFF2-40B4-BE49-F238E27FC236}">
-                <a16:creationId xmlns:a16="http://schemas.microsoft.com/office/drawing/2014/main" id="{3C9D5B03-BDC2-4EF9-8060-E395F1D0F45E}"/>
-              </a:ext>
-            </a:extLst>
-          </p:cNvPr>
-          <p:cNvSpPr>
-            <a:spLocks noGrp="1"/>
-          </p:cNvSpPr>
-          <p:nvPr>
-            <p:ph type="sldNum" sz="quarter" idx="12"/>
-          </p:nvPr>
-        </p:nvSpPr>
-        <p:spPr/>
-        <p:txBody>
-          <a:bodyPr/>
-          <a:lstStyle/>
+          <a:lstStyle>
+            <a:lvl1pPr>
+              <a:defRPr>
+                <a:solidFill>
+                  <a:schemeClr val="tx2"/>
+                </a:solidFill>
+              </a:defRPr>
+            </a:lvl1pPr>
+          </a:lstStyle>
           <a:p>
             <a:fld id="{7F690B01-DC86-410C-8EE4-09DBF96BA505}" type="slidenum">
               <a:rPr lang="en-IN" smtClean="0"/>
@@ -3212,7 +3463,7 @@
     </p:spTree>
     <p:extLst>
       <p:ext uri="{BB962C8B-B14F-4D97-AF65-F5344CB8AC3E}">
-        <p14:creationId xmlns:p14="http://schemas.microsoft.com/office/powerpoint/2010/main" val="2086421999"/>
+        <p14:creationId xmlns:p14="http://schemas.microsoft.com/office/powerpoint/2010/main" val="771986532"/>
       </p:ext>
     </p:extLst>
   </p:cSld>
@@ -3223,7 +3474,7 @@
 </file>
 
 <file path=ppt/slideLayouts/slideLayout9.xml><?xml version="1.0" encoding="utf-8"?>
-<p:sldLayout xmlns:a="http://schemas.openxmlformats.org/drawingml/2006/main" xmlns:r="http://schemas.openxmlformats.org/officeDocument/2006/relationships" xmlns:p="http://schemas.openxmlformats.org/presentationml/2006/main" type="picTx" preserve="1">
+<p:sldLayout xmlns:a="http://schemas.openxmlformats.org/drawingml/2006/main" xmlns:r="http://schemas.openxmlformats.org/officeDocument/2006/relationships" xmlns:p="http://schemas.openxmlformats.org/presentationml/2006/main" showMasterSp="0" type="picTx" preserve="1">
   <p:cSld name="Picture with Caption">
     <p:spTree>
       <p:nvGrpSpPr>
@@ -3241,31 +3492,107 @@
       </p:grpSpPr>
       <p:sp>
         <p:nvSpPr>
-          <p:cNvPr id="2" name="Title 1">
-            <a:extLst>
-              <a:ext uri="{FF2B5EF4-FFF2-40B4-BE49-F238E27FC236}">
-                <a16:creationId xmlns:a16="http://schemas.microsoft.com/office/drawing/2014/main" id="{D33F694C-9F0A-44DF-A4CE-BB0885857E32}"/>
-              </a:ext>
-            </a:extLst>
-          </p:cNvPr>
-          <p:cNvSpPr>
-            <a:spLocks noGrp="1"/>
-          </p:cNvSpPr>
-          <p:nvPr>
-            <p:ph type="title"/>
-          </p:nvPr>
+          <p:cNvPr id="8" name="Rectangle 7"/>
+          <p:cNvSpPr/>
+          <p:nvPr/>
         </p:nvSpPr>
         <p:spPr>
           <a:xfrm>
-            <a:off x="839788" y="457200"/>
-            <a:ext cx="3932237" cy="1600200"/>
+            <a:off x="0" y="4953000"/>
+            <a:ext cx="12188825" cy="1905000"/>
+          </a:xfrm>
+          <a:prstGeom prst="rect">
+            <a:avLst/>
+          </a:prstGeom>
+          <a:solidFill>
+            <a:schemeClr val="accent2"/>
+          </a:solidFill>
+          <a:ln>
+            <a:noFill/>
+          </a:ln>
+        </p:spPr>
+        <p:style>
+          <a:lnRef idx="2">
+            <a:schemeClr val="accent1">
+              <a:shade val="50000"/>
+            </a:schemeClr>
+          </a:lnRef>
+          <a:fillRef idx="1">
+            <a:schemeClr val="accent1"/>
+          </a:fillRef>
+          <a:effectRef idx="0">
+            <a:schemeClr val="accent1"/>
+          </a:effectRef>
+          <a:fontRef idx="minor">
+            <a:schemeClr val="lt1"/>
+          </a:fontRef>
+        </p:style>
+      </p:sp>
+      <p:sp>
+        <p:nvSpPr>
+          <p:cNvPr id="9" name="Rectangle 8"/>
+          <p:cNvSpPr/>
+          <p:nvPr/>
+        </p:nvSpPr>
+        <p:spPr>
+          <a:xfrm>
+            <a:off x="15" y="4915076"/>
+            <a:ext cx="12188825" cy="64008"/>
+          </a:xfrm>
+          <a:prstGeom prst="rect">
+            <a:avLst/>
+          </a:prstGeom>
+          <a:solidFill>
+            <a:schemeClr val="accent1"/>
+          </a:solidFill>
+          <a:ln>
+            <a:noFill/>
+          </a:ln>
+        </p:spPr>
+        <p:style>
+          <a:lnRef idx="2">
+            <a:schemeClr val="accent1">
+              <a:shade val="50000"/>
+            </a:schemeClr>
+          </a:lnRef>
+          <a:fillRef idx="1">
+            <a:schemeClr val="accent1"/>
+          </a:fillRef>
+          <a:effectRef idx="0">
+            <a:schemeClr val="accent1"/>
+          </a:effectRef>
+          <a:fontRef idx="minor">
+            <a:schemeClr val="lt1"/>
+          </a:fontRef>
+        </p:style>
+      </p:sp>
+      <p:sp>
+        <p:nvSpPr>
+          <p:cNvPr id="2" name="Title 1"/>
+          <p:cNvSpPr>
+            <a:spLocks noGrp="1"/>
+          </p:cNvSpPr>
+          <p:nvPr>
+            <p:ph type="title"/>
+          </p:nvPr>
+        </p:nvSpPr>
+        <p:spPr>
+          <a:xfrm>
+            <a:off x="1097280" y="5074920"/>
+            <a:ext cx="10113264" cy="822960"/>
           </a:xfrm>
         </p:spPr>
         <p:txBody>
-          <a:bodyPr anchor="b"/>
+          <a:bodyPr lIns="91440" tIns="0" rIns="91440" bIns="0" anchor="b">
+            <a:noAutofit/>
+          </a:bodyPr>
           <a:lstStyle>
             <a:lvl1pPr>
-              <a:defRPr sz="3200"/>
+              <a:defRPr sz="3600" b="0">
+                <a:solidFill>
+                  <a:srgbClr val="FFFFFF"/>
+                </a:solidFill>
+              </a:defRPr>
             </a:lvl1pPr>
           </a:lstStyle>
           <a:p>
@@ -3273,21 +3600,15 @@
               <a:rPr lang="en-US"/>
               <a:t>Click to edit Master title style</a:t>
             </a:r>
-            <a:endParaRPr lang="en-IN"/>
-          </a:p>
-        </p:txBody>
-      </p:sp>
-      <p:sp>
-        <p:nvSpPr>
-          <p:cNvPr id="3" name="Picture Placeholder 2">
-            <a:extLst>
-              <a:ext uri="{FF2B5EF4-FFF2-40B4-BE49-F238E27FC236}">
-                <a16:creationId xmlns:a16="http://schemas.microsoft.com/office/drawing/2014/main" id="{9BBA1526-A952-4458-9212-015F5B9343D2}"/>
-              </a:ext>
-            </a:extLst>
-          </p:cNvPr>
-          <p:cNvSpPr>
-            <a:spLocks noGrp="1"/>
+            <a:endParaRPr lang="en-US" dirty="0"/>
+          </a:p>
+        </p:txBody>
+      </p:sp>
+      <p:sp>
+        <p:nvSpPr>
+          <p:cNvPr id="3" name="Picture Placeholder 2"/>
+          <p:cNvSpPr>
+            <a:spLocks noGrp="1" noChangeAspect="1"/>
           </p:cNvSpPr>
           <p:nvPr>
             <p:ph type="pic" idx="1"/>
@@ -3295,16 +3616,26 @@
         </p:nvSpPr>
         <p:spPr>
           <a:xfrm>
-            <a:off x="5183188" y="987425"/>
-            <a:ext cx="6172200" cy="4873625"/>
+            <a:off x="15" y="0"/>
+            <a:ext cx="12191985" cy="4915076"/>
           </a:xfrm>
+          <a:blipFill>
+            <a:blip r:embed="rId2"/>
+            <a:stretch>
+              <a:fillRect/>
+            </a:stretch>
+          </a:blipFill>
         </p:spPr>
         <p:txBody>
-          <a:bodyPr/>
+          <a:bodyPr lIns="457200" tIns="457200" anchor="t"/>
           <a:lstStyle>
             <a:lvl1pPr marL="0" indent="0">
               <a:buNone/>
-              <a:defRPr sz="3200"/>
+              <a:defRPr sz="3200">
+                <a:solidFill>
+                  <a:schemeClr val="bg1"/>
+                </a:solidFill>
+              </a:defRPr>
             </a:lvl1pPr>
             <a:lvl2pPr marL="457200" indent="0">
               <a:buNone/>
@@ -3340,19 +3671,17 @@
             </a:lvl9pPr>
           </a:lstStyle>
           <a:p>
-            <a:endParaRPr lang="en-IN"/>
-          </a:p>
-        </p:txBody>
-      </p:sp>
-      <p:sp>
-        <p:nvSpPr>
-          <p:cNvPr id="4" name="Text Placeholder 3">
-            <a:extLst>
-              <a:ext uri="{FF2B5EF4-FFF2-40B4-BE49-F238E27FC236}">
-                <a16:creationId xmlns:a16="http://schemas.microsoft.com/office/drawing/2014/main" id="{12F22D5B-9707-43D7-9BDA-26E55B1FE59D}"/>
-              </a:ext>
-            </a:extLst>
-          </p:cNvPr>
+            <a:r>
+              <a:rPr lang="en-US"/>
+              <a:t>Click icon to add picture</a:t>
+            </a:r>
+            <a:endParaRPr lang="en-US" dirty="0"/>
+          </a:p>
+        </p:txBody>
+      </p:sp>
+      <p:sp>
+        <p:nvSpPr>
+          <p:cNvPr id="4" name="Text Placeholder 3"/>
           <p:cNvSpPr>
             <a:spLocks noGrp="1"/>
           </p:cNvSpPr>
@@ -3362,48 +3691,60 @@
         </p:nvSpPr>
         <p:spPr>
           <a:xfrm>
-            <a:off x="839788" y="2057400"/>
-            <a:ext cx="3932237" cy="3811588"/>
+            <a:off x="1097280" y="5907023"/>
+            <a:ext cx="10113264" cy="594360"/>
           </a:xfrm>
         </p:spPr>
         <p:txBody>
-          <a:bodyPr/>
+          <a:bodyPr lIns="91440" tIns="0" rIns="91440" bIns="0">
+            <a:normAutofit/>
+          </a:bodyPr>
           <a:lstStyle>
             <a:lvl1pPr marL="0" indent="0">
-              <a:buNone/>
-              <a:defRPr sz="1600"/>
+              <a:spcBef>
+                <a:spcPts val="0"/>
+              </a:spcBef>
+              <a:spcAft>
+                <a:spcPts val="600"/>
+              </a:spcAft>
+              <a:buNone/>
+              <a:defRPr sz="1500">
+                <a:solidFill>
+                  <a:srgbClr val="FFFFFF"/>
+                </a:solidFill>
+              </a:defRPr>
             </a:lvl1pPr>
             <a:lvl2pPr marL="457200" indent="0">
               <a:buNone/>
-              <a:defRPr sz="1400"/>
+              <a:defRPr sz="1200"/>
             </a:lvl2pPr>
             <a:lvl3pPr marL="914400" indent="0">
               <a:buNone/>
-              <a:defRPr sz="1200"/>
+              <a:defRPr sz="1000"/>
             </a:lvl3pPr>
             <a:lvl4pPr marL="1371600" indent="0">
               <a:buNone/>
-              <a:defRPr sz="1000"/>
+              <a:defRPr sz="900"/>
             </a:lvl4pPr>
             <a:lvl5pPr marL="1828800" indent="0">
               <a:buNone/>
-              <a:defRPr sz="1000"/>
+              <a:defRPr sz="900"/>
             </a:lvl5pPr>
             <a:lvl6pPr marL="2286000" indent="0">
               <a:buNone/>
-              <a:defRPr sz="1000"/>
+              <a:defRPr sz="900"/>
             </a:lvl6pPr>
             <a:lvl7pPr marL="2743200" indent="0">
               <a:buNone/>
-              <a:defRPr sz="1000"/>
+              <a:defRPr sz="900"/>
             </a:lvl7pPr>
             <a:lvl8pPr marL="3200400" indent="0">
               <a:buNone/>
-              <a:defRPr sz="1000"/>
+              <a:defRPr sz="900"/>
             </a:lvl8pPr>
             <a:lvl9pPr marL="3657600" indent="0">
               <a:buNone/>
-              <a:defRPr sz="1000"/>
+              <a:defRPr sz="900"/>
             </a:lvl9pPr>
           </a:lstStyle>
           <a:p>
@@ -3417,13 +3758,7 @@
       </p:sp>
       <p:sp>
         <p:nvSpPr>
-          <p:cNvPr id="5" name="Date Placeholder 4">
-            <a:extLst>
-              <a:ext uri="{FF2B5EF4-FFF2-40B4-BE49-F238E27FC236}">
-                <a16:creationId xmlns:a16="http://schemas.microsoft.com/office/drawing/2014/main" id="{61DFA9CB-5465-46A6-B2EC-9BD49B22B149}"/>
-              </a:ext>
-            </a:extLst>
-          </p:cNvPr>
+          <p:cNvPr id="5" name="Date Placeholder 4"/>
           <p:cNvSpPr>
             <a:spLocks noGrp="1"/>
           </p:cNvSpPr>
@@ -3446,13 +3781,7 @@
       </p:sp>
       <p:sp>
         <p:nvSpPr>
-          <p:cNvPr id="6" name="Footer Placeholder 5">
-            <a:extLst>
-              <a:ext uri="{FF2B5EF4-FFF2-40B4-BE49-F238E27FC236}">
-                <a16:creationId xmlns:a16="http://schemas.microsoft.com/office/drawing/2014/main" id="{19E22C9F-B03C-4D1A-A373-5196B23047BE}"/>
-              </a:ext>
-            </a:extLst>
-          </p:cNvPr>
+          <p:cNvPr id="6" name="Footer Placeholder 5"/>
           <p:cNvSpPr>
             <a:spLocks noGrp="1"/>
           </p:cNvSpPr>
@@ -3471,13 +3800,7 @@
       </p:sp>
       <p:sp>
         <p:nvSpPr>
-          <p:cNvPr id="7" name="Slide Number Placeholder 6">
-            <a:extLst>
-              <a:ext uri="{FF2B5EF4-FFF2-40B4-BE49-F238E27FC236}">
-                <a16:creationId xmlns:a16="http://schemas.microsoft.com/office/drawing/2014/main" id="{1E02DFA5-229A-46DF-AE6B-2001F42638AC}"/>
-              </a:ext>
-            </a:extLst>
-          </p:cNvPr>
+          <p:cNvPr id="7" name="Slide Number Placeholder 6"/>
           <p:cNvSpPr>
             <a:spLocks noGrp="1"/>
           </p:cNvSpPr>
@@ -3501,7 +3824,7 @@
     </p:spTree>
     <p:extLst>
       <p:ext uri="{BB962C8B-B14F-4D97-AF65-F5344CB8AC3E}">
-        <p14:creationId xmlns:p14="http://schemas.microsoft.com/office/powerpoint/2010/main" val="545053859"/>
+        <p14:creationId xmlns:p14="http://schemas.microsoft.com/office/powerpoint/2010/main" val="464917404"/>
       </p:ext>
     </p:extLst>
   </p:cSld>
@@ -3535,31 +3858,101 @@
       </p:grpSpPr>
       <p:sp>
         <p:nvSpPr>
-          <p:cNvPr id="2" name="Title Placeholder 1">
-            <a:extLst>
-              <a:ext uri="{FF2B5EF4-FFF2-40B4-BE49-F238E27FC236}">
-                <a16:creationId xmlns:a16="http://schemas.microsoft.com/office/drawing/2014/main" id="{138A7438-A8A8-42AD-9790-7CC8F15655C6}"/>
-              </a:ext>
-            </a:extLst>
-          </p:cNvPr>
-          <p:cNvSpPr>
-            <a:spLocks noGrp="1"/>
-          </p:cNvSpPr>
-          <p:nvPr>
-            <p:ph type="title"/>
-          </p:nvPr>
+          <p:cNvPr id="7" name="Rectangle 6"/>
+          <p:cNvSpPr/>
+          <p:nvPr/>
         </p:nvSpPr>
         <p:spPr>
           <a:xfrm>
-            <a:off x="838200" y="365125"/>
-            <a:ext cx="10515600" cy="1325563"/>
+            <a:off x="1" y="6400800"/>
+            <a:ext cx="12192000" cy="457200"/>
+          </a:xfrm>
+          <a:prstGeom prst="rect">
+            <a:avLst/>
+          </a:prstGeom>
+          <a:solidFill>
+            <a:schemeClr val="accent2"/>
+          </a:solidFill>
+          <a:ln>
+            <a:noFill/>
+          </a:ln>
+        </p:spPr>
+        <p:style>
+          <a:lnRef idx="2">
+            <a:schemeClr val="accent1">
+              <a:shade val="50000"/>
+            </a:schemeClr>
+          </a:lnRef>
+          <a:fillRef idx="1">
+            <a:schemeClr val="accent1"/>
+          </a:fillRef>
+          <a:effectRef idx="0">
+            <a:schemeClr val="accent1"/>
+          </a:effectRef>
+          <a:fontRef idx="minor">
+            <a:schemeClr val="lt1"/>
+          </a:fontRef>
+        </p:style>
+      </p:sp>
+      <p:sp>
+        <p:nvSpPr>
+          <p:cNvPr id="9" name="Rectangle 8"/>
+          <p:cNvSpPr/>
+          <p:nvPr/>
+        </p:nvSpPr>
+        <p:spPr>
+          <a:xfrm>
+            <a:off x="0" y="6334316"/>
+            <a:ext cx="12192001" cy="65998"/>
+          </a:xfrm>
+          <a:prstGeom prst="rect">
+            <a:avLst/>
+          </a:prstGeom>
+          <a:solidFill>
+            <a:schemeClr val="accent1"/>
+          </a:solidFill>
+          <a:ln>
+            <a:noFill/>
+          </a:ln>
+        </p:spPr>
+        <p:style>
+          <a:lnRef idx="2">
+            <a:schemeClr val="accent1">
+              <a:shade val="50000"/>
+            </a:schemeClr>
+          </a:lnRef>
+          <a:fillRef idx="1">
+            <a:schemeClr val="accent1"/>
+          </a:fillRef>
+          <a:effectRef idx="0">
+            <a:schemeClr val="accent1"/>
+          </a:effectRef>
+          <a:fontRef idx="minor">
+            <a:schemeClr val="lt1"/>
+          </a:fontRef>
+        </p:style>
+      </p:sp>
+      <p:sp>
+        <p:nvSpPr>
+          <p:cNvPr id="2" name="Title Placeholder 1"/>
+          <p:cNvSpPr>
+            <a:spLocks noGrp="1"/>
+          </p:cNvSpPr>
+          <p:nvPr>
+            <p:ph type="title"/>
+          </p:nvPr>
+        </p:nvSpPr>
+        <p:spPr>
+          <a:xfrm>
+            <a:off x="1097280" y="286603"/>
+            <a:ext cx="10058400" cy="1450757"/>
           </a:xfrm>
           <a:prstGeom prst="rect">
             <a:avLst/>
           </a:prstGeom>
         </p:spPr>
         <p:txBody>
-          <a:bodyPr vert="horz" lIns="91440" tIns="45720" rIns="91440" bIns="45720" rtlCol="0" anchor="ctr">
+          <a:bodyPr vert="horz" lIns="91440" tIns="45720" rIns="91440" bIns="45720" rtlCol="0" anchor="b">
             <a:normAutofit/>
           </a:bodyPr>
           <a:lstStyle/>
@@ -3568,19 +3961,13 @@
               <a:rPr lang="en-US"/>
               <a:t>Click to edit Master title style</a:t>
             </a:r>
-            <a:endParaRPr lang="en-IN"/>
-          </a:p>
-        </p:txBody>
-      </p:sp>
-      <p:sp>
-        <p:nvSpPr>
-          <p:cNvPr id="3" name="Text Placeholder 2">
-            <a:extLst>
-              <a:ext uri="{FF2B5EF4-FFF2-40B4-BE49-F238E27FC236}">
-                <a16:creationId xmlns:a16="http://schemas.microsoft.com/office/drawing/2014/main" id="{24A227F9-1040-4FE5-8B49-6E7EA0C93052}"/>
-              </a:ext>
-            </a:extLst>
-          </p:cNvPr>
+            <a:endParaRPr lang="en-US" dirty="0"/>
+          </a:p>
+        </p:txBody>
+      </p:sp>
+      <p:sp>
+        <p:nvSpPr>
+          <p:cNvPr id="3" name="Text Placeholder 2"/>
           <p:cNvSpPr>
             <a:spLocks noGrp="1"/>
           </p:cNvSpPr>
@@ -3590,15 +3977,15 @@
         </p:nvSpPr>
         <p:spPr>
           <a:xfrm>
-            <a:off x="838200" y="1825625"/>
-            <a:ext cx="10515600" cy="4351338"/>
+            <a:off x="1097280" y="1845734"/>
+            <a:ext cx="10058400" cy="4023360"/>
           </a:xfrm>
           <a:prstGeom prst="rect">
             <a:avLst/>
           </a:prstGeom>
         </p:spPr>
         <p:txBody>
-          <a:bodyPr vert="horz" lIns="91440" tIns="45720" rIns="91440" bIns="45720" rtlCol="0">
+          <a:bodyPr vert="horz" lIns="0" tIns="45720" rIns="0" bIns="45720" rtlCol="0">
             <a:normAutofit/>
           </a:bodyPr>
           <a:lstStyle/>
@@ -3636,19 +4023,13 @@
               <a:rPr lang="en-US"/>
               <a:t>Fifth level</a:t>
             </a:r>
-            <a:endParaRPr lang="en-IN"/>
-          </a:p>
-        </p:txBody>
-      </p:sp>
-      <p:sp>
-        <p:nvSpPr>
-          <p:cNvPr id="4" name="Date Placeholder 3">
-            <a:extLst>
-              <a:ext uri="{FF2B5EF4-FFF2-40B4-BE49-F238E27FC236}">
-                <a16:creationId xmlns:a16="http://schemas.microsoft.com/office/drawing/2014/main" id="{0AB82538-061D-4677-B3E7-68952F57E89F}"/>
-              </a:ext>
-            </a:extLst>
-          </p:cNvPr>
+            <a:endParaRPr lang="en-US" dirty="0"/>
+          </a:p>
+        </p:txBody>
+      </p:sp>
+      <p:sp>
+        <p:nvSpPr>
+          <p:cNvPr id="4" name="Date Placeholder 3"/>
           <p:cNvSpPr>
             <a:spLocks noGrp="1"/>
           </p:cNvSpPr>
@@ -3658,8 +4039,8 @@
         </p:nvSpPr>
         <p:spPr>
           <a:xfrm>
-            <a:off x="838200" y="6356350"/>
-            <a:ext cx="2743200" cy="365125"/>
+            <a:off x="1097280" y="6459785"/>
+            <a:ext cx="2472271" cy="365125"/>
           </a:xfrm>
           <a:prstGeom prst="rect">
             <a:avLst/>
@@ -3669,11 +4050,9 @@
           <a:bodyPr vert="horz" lIns="91440" tIns="45720" rIns="91440" bIns="45720" rtlCol="0" anchor="ctr"/>
           <a:lstStyle>
             <a:lvl1pPr algn="l">
-              <a:defRPr sz="1200">
+              <a:defRPr sz="900">
                 <a:solidFill>
-                  <a:schemeClr val="tx1">
-                    <a:tint val="75000"/>
-                  </a:schemeClr>
+                  <a:srgbClr val="FFFFFF"/>
                 </a:solidFill>
               </a:defRPr>
             </a:lvl1pPr>
@@ -3689,13 +4068,7 @@
       </p:sp>
       <p:sp>
         <p:nvSpPr>
-          <p:cNvPr id="5" name="Footer Placeholder 4">
-            <a:extLst>
-              <a:ext uri="{FF2B5EF4-FFF2-40B4-BE49-F238E27FC236}">
-                <a16:creationId xmlns:a16="http://schemas.microsoft.com/office/drawing/2014/main" id="{9893F054-6433-4174-82E6-2B1B0B0BFE99}"/>
-              </a:ext>
-            </a:extLst>
-          </p:cNvPr>
+          <p:cNvPr id="5" name="Footer Placeholder 4"/>
           <p:cNvSpPr>
             <a:spLocks noGrp="1"/>
           </p:cNvSpPr>
@@ -3705,8 +4078,8 @@
         </p:nvSpPr>
         <p:spPr>
           <a:xfrm>
-            <a:off x="4038600" y="6356350"/>
-            <a:ext cx="4114800" cy="365125"/>
+            <a:off x="3686185" y="6459785"/>
+            <a:ext cx="4822804" cy="365125"/>
           </a:xfrm>
           <a:prstGeom prst="rect">
             <a:avLst/>
@@ -3716,11 +4089,9 @@
           <a:bodyPr vert="horz" lIns="91440" tIns="45720" rIns="91440" bIns="45720" rtlCol="0" anchor="ctr"/>
           <a:lstStyle>
             <a:lvl1pPr algn="ctr">
-              <a:defRPr sz="1200">
+              <a:defRPr sz="900" cap="all" baseline="0">
                 <a:solidFill>
-                  <a:schemeClr val="tx1">
-                    <a:tint val="75000"/>
-                  </a:schemeClr>
+                  <a:srgbClr val="FFFFFF"/>
                 </a:solidFill>
               </a:defRPr>
             </a:lvl1pPr>
@@ -3732,13 +4103,7 @@
       </p:sp>
       <p:sp>
         <p:nvSpPr>
-          <p:cNvPr id="6" name="Slide Number Placeholder 5">
-            <a:extLst>
-              <a:ext uri="{FF2B5EF4-FFF2-40B4-BE49-F238E27FC236}">
-                <a16:creationId xmlns:a16="http://schemas.microsoft.com/office/drawing/2014/main" id="{CB00544E-8A31-4842-9EC1-AB9B723B00BD}"/>
-              </a:ext>
-            </a:extLst>
-          </p:cNvPr>
+          <p:cNvPr id="6" name="Slide Number Placeholder 5"/>
           <p:cNvSpPr>
             <a:spLocks noGrp="1"/>
           </p:cNvSpPr>
@@ -3748,8 +4113,8 @@
         </p:nvSpPr>
         <p:spPr>
           <a:xfrm>
-            <a:off x="8610600" y="6356350"/>
-            <a:ext cx="2743200" cy="365125"/>
+            <a:off x="9900458" y="6459785"/>
+            <a:ext cx="1312025" cy="365125"/>
           </a:xfrm>
           <a:prstGeom prst="rect">
             <a:avLst/>
@@ -3759,11 +4124,9 @@
           <a:bodyPr vert="horz" lIns="91440" tIns="45720" rIns="91440" bIns="45720" rtlCol="0" anchor="ctr"/>
           <a:lstStyle>
             <a:lvl1pPr algn="r">
-              <a:defRPr sz="1200">
+              <a:defRPr sz="1050">
                 <a:solidFill>
-                  <a:schemeClr val="tx1">
-                    <a:tint val="75000"/>
-                  </a:schemeClr>
+                  <a:srgbClr val="FFFFFF"/>
                 </a:solidFill>
               </a:defRPr>
             </a:lvl1pPr>
@@ -3777,40 +4140,81 @@
           </a:p>
         </p:txBody>
       </p:sp>
+      <p:cxnSp>
+        <p:nvCxnSpPr>
+          <p:cNvPr id="10" name="Straight Connector 9"/>
+          <p:cNvCxnSpPr/>
+          <p:nvPr/>
+        </p:nvCxnSpPr>
+        <p:spPr>
+          <a:xfrm>
+            <a:off x="1193532" y="1737845"/>
+            <a:ext cx="9966960" cy="0"/>
+          </a:xfrm>
+          <a:prstGeom prst="line">
+            <a:avLst/>
+          </a:prstGeom>
+          <a:ln w="6350">
+            <a:solidFill>
+              <a:schemeClr val="tx1">
+                <a:lumMod val="50000"/>
+                <a:lumOff val="50000"/>
+              </a:schemeClr>
+            </a:solidFill>
+          </a:ln>
+        </p:spPr>
+        <p:style>
+          <a:lnRef idx="1">
+            <a:schemeClr val="accent1"/>
+          </a:lnRef>
+          <a:fillRef idx="0">
+            <a:schemeClr val="accent1"/>
+          </a:fillRef>
+          <a:effectRef idx="0">
+            <a:schemeClr val="accent1"/>
+          </a:effectRef>
+          <a:fontRef idx="minor">
+            <a:schemeClr val="tx1"/>
+          </a:fontRef>
+        </p:style>
+      </p:cxnSp>
     </p:spTree>
     <p:extLst>
       <p:ext uri="{BB962C8B-B14F-4D97-AF65-F5344CB8AC3E}">
-        <p14:creationId xmlns:p14="http://schemas.microsoft.com/office/powerpoint/2010/main" val="3309213723"/>
+        <p14:creationId xmlns:p14="http://schemas.microsoft.com/office/powerpoint/2010/main" val="3554453362"/>
       </p:ext>
     </p:extLst>
   </p:cSld>
   <p:clrMap bg1="lt1" tx1="dk1" bg2="lt2" tx2="dk2" accent1="accent1" accent2="accent2" accent3="accent3" accent4="accent4" accent5="accent5" accent6="accent6" hlink="hlink" folHlink="folHlink"/>
   <p:sldLayoutIdLst>
-    <p:sldLayoutId id="2147483649" r:id="rId1"/>
-    <p:sldLayoutId id="2147483650" r:id="rId2"/>
-    <p:sldLayoutId id="2147483651" r:id="rId3"/>
-    <p:sldLayoutId id="2147483652" r:id="rId4"/>
-    <p:sldLayoutId id="2147483653" r:id="rId5"/>
-    <p:sldLayoutId id="2147483654" r:id="rId6"/>
-    <p:sldLayoutId id="2147483655" r:id="rId7"/>
-    <p:sldLayoutId id="2147483656" r:id="rId8"/>
-    <p:sldLayoutId id="2147483657" r:id="rId9"/>
-    <p:sldLayoutId id="2147483658" r:id="rId10"/>
-    <p:sldLayoutId id="2147483659" r:id="rId11"/>
+    <p:sldLayoutId id="2147483678" r:id="rId1"/>
+    <p:sldLayoutId id="2147483679" r:id="rId2"/>
+    <p:sldLayoutId id="2147483680" r:id="rId3"/>
+    <p:sldLayoutId id="2147483681" r:id="rId4"/>
+    <p:sldLayoutId id="2147483682" r:id="rId5"/>
+    <p:sldLayoutId id="2147483683" r:id="rId6"/>
+    <p:sldLayoutId id="2147483684" r:id="rId7"/>
+    <p:sldLayoutId id="2147483685" r:id="rId8"/>
+    <p:sldLayoutId id="2147483686" r:id="rId9"/>
+    <p:sldLayoutId id="2147483687" r:id="rId10"/>
+    <p:sldLayoutId id="2147483688" r:id="rId11"/>
   </p:sldLayoutIdLst>
   <p:txStyles>
     <p:titleStyle>
       <a:lvl1pPr algn="l" defTabSz="914400" rtl="0" eaLnBrk="1" latinLnBrk="0" hangingPunct="1">
         <a:lnSpc>
-          <a:spcPct val="90000"/>
+          <a:spcPct val="85000"/>
         </a:lnSpc>
         <a:spcBef>
           <a:spcPct val="0"/>
         </a:spcBef>
         <a:buNone/>
-        <a:defRPr sz="4400" kern="1200">
+        <a:defRPr sz="4800" kern="1200" spc="-50" baseline="0">
           <a:solidFill>
-            <a:schemeClr val="tx1"/>
+            <a:schemeClr val="tx1">
+              <a:lumMod val="75000"/>
+              <a:lumOff val="25000"/>
+            </a:schemeClr>
           </a:solidFill>
           <a:latin typeface="+mj-lt"/>
           <a:ea typeface="+mj-ea"/>
@@ -3819,162 +4223,244 @@
       </a:lvl1pPr>
     </p:titleStyle>
     <p:bodyStyle>
-      <a:lvl1pPr marL="228600" indent="-228600" algn="l" defTabSz="914400" rtl="0" eaLnBrk="1" latinLnBrk="0" hangingPunct="1">
+      <a:lvl1pPr marL="91440" indent="-91440" algn="l" defTabSz="914400" rtl="0" eaLnBrk="1" latinLnBrk="0" hangingPunct="1">
         <a:lnSpc>
           <a:spcPct val="90000"/>
         </a:lnSpc>
         <a:spcBef>
-          <a:spcPts val="1000"/>
+          <a:spcPts val="1200"/>
         </a:spcBef>
-        <a:buFont typeface="Arial" panose="020B0604020202020204" pitchFamily="34" charset="0"/>
-        <a:buChar char="•"/>
-        <a:defRPr sz="2800" kern="1200">
+        <a:spcAft>
+          <a:spcPts val="200"/>
+        </a:spcAft>
+        <a:buClr>
+          <a:schemeClr val="accent1"/>
+        </a:buClr>
+        <a:buSzPct val="100000"/>
+        <a:buFont typeface="Calibri" panose="020F0502020204030204" pitchFamily="34" charset="0"/>
+        <a:buChar char=" "/>
+        <a:defRPr sz="2000" kern="1200">
           <a:solidFill>
-            <a:schemeClr val="tx1"/>
+            <a:schemeClr val="tx1">
+              <a:lumMod val="75000"/>
+              <a:lumOff val="25000"/>
+            </a:schemeClr>
           </a:solidFill>
           <a:latin typeface="+mn-lt"/>
           <a:ea typeface="+mn-ea"/>
           <a:cs typeface="+mn-cs"/>
         </a:defRPr>
       </a:lvl1pPr>
-      <a:lvl2pPr marL="685800" indent="-228600" algn="l" defTabSz="914400" rtl="0" eaLnBrk="1" latinLnBrk="0" hangingPunct="1">
+      <a:lvl2pPr marL="384048" indent="-182880" algn="l" defTabSz="914400" rtl="0" eaLnBrk="1" latinLnBrk="0" hangingPunct="1">
         <a:lnSpc>
           <a:spcPct val="90000"/>
         </a:lnSpc>
         <a:spcBef>
-          <a:spcPts val="500"/>
+          <a:spcPts val="200"/>
         </a:spcBef>
-        <a:buFont typeface="Arial" panose="020B0604020202020204" pitchFamily="34" charset="0"/>
-        <a:buChar char="•"/>
-        <a:defRPr sz="2400" kern="1200">
+        <a:spcAft>
+          <a:spcPts val="400"/>
+        </a:spcAft>
+        <a:buClr>
+          <a:schemeClr val="accent1"/>
+        </a:buClr>
+        <a:buFont typeface="Calibri" pitchFamily="34" charset="0"/>
+        <a:buChar char="◦"/>
+        <a:defRPr sz="1800" kern="1200">
           <a:solidFill>
-            <a:schemeClr val="tx1"/>
+            <a:schemeClr val="tx1">
+              <a:lumMod val="75000"/>
+              <a:lumOff val="25000"/>
+            </a:schemeClr>
           </a:solidFill>
           <a:latin typeface="+mn-lt"/>
           <a:ea typeface="+mn-ea"/>
           <a:cs typeface="+mn-cs"/>
         </a:defRPr>
       </a:lvl2pPr>
-      <a:lvl3pPr marL="1143000" indent="-228600" algn="l" defTabSz="914400" rtl="0" eaLnBrk="1" latinLnBrk="0" hangingPunct="1">
+      <a:lvl3pPr marL="566928" indent="-182880" algn="l" defTabSz="914400" rtl="0" eaLnBrk="1" latinLnBrk="0" hangingPunct="1">
         <a:lnSpc>
           <a:spcPct val="90000"/>
         </a:lnSpc>
         <a:spcBef>
-          <a:spcPts val="500"/>
+          <a:spcPts val="200"/>
         </a:spcBef>
-        <a:buFont typeface="Arial" panose="020B0604020202020204" pitchFamily="34" charset="0"/>
-        <a:buChar char="•"/>
-        <a:defRPr sz="2000" kern="1200">
+        <a:spcAft>
+          <a:spcPts val="400"/>
+        </a:spcAft>
+        <a:buClr>
+          <a:schemeClr val="accent1"/>
+        </a:buClr>
+        <a:buFont typeface="Calibri" pitchFamily="34" charset="0"/>
+        <a:buChar char="◦"/>
+        <a:defRPr sz="1400" kern="1200">
           <a:solidFill>
-            <a:schemeClr val="tx1"/>
+            <a:schemeClr val="tx1">
+              <a:lumMod val="75000"/>
+              <a:lumOff val="25000"/>
+            </a:schemeClr>
           </a:solidFill>
           <a:latin typeface="+mn-lt"/>
           <a:ea typeface="+mn-ea"/>
           <a:cs typeface="+mn-cs"/>
         </a:defRPr>
       </a:lvl3pPr>
-      <a:lvl4pPr marL="1600200" indent="-228600" algn="l" defTabSz="914400" rtl="0" eaLnBrk="1" latinLnBrk="0" hangingPunct="1">
+      <a:lvl4pPr marL="749808" indent="-182880" algn="l" defTabSz="914400" rtl="0" eaLnBrk="1" latinLnBrk="0" hangingPunct="1">
         <a:lnSpc>
           <a:spcPct val="90000"/>
         </a:lnSpc>
         <a:spcBef>
-          <a:spcPts val="500"/>
+          <a:spcPts val="200"/>
         </a:spcBef>
-        <a:buFont typeface="Arial" panose="020B0604020202020204" pitchFamily="34" charset="0"/>
-        <a:buChar char="•"/>
-        <a:defRPr sz="1800" kern="1200">
+        <a:spcAft>
+          <a:spcPts val="400"/>
+        </a:spcAft>
+        <a:buClr>
+          <a:schemeClr val="accent1"/>
+        </a:buClr>
+        <a:buFont typeface="Calibri" pitchFamily="34" charset="0"/>
+        <a:buChar char="◦"/>
+        <a:defRPr sz="1400" kern="1200">
           <a:solidFill>
-            <a:schemeClr val="tx1"/>
+            <a:schemeClr val="tx1">
+              <a:lumMod val="75000"/>
+              <a:lumOff val="25000"/>
+            </a:schemeClr>
           </a:solidFill>
           <a:latin typeface="+mn-lt"/>
           <a:ea typeface="+mn-ea"/>
           <a:cs typeface="+mn-cs"/>
         </a:defRPr>
       </a:lvl4pPr>
-      <a:lvl5pPr marL="2057400" indent="-228600" algn="l" defTabSz="914400" rtl="0" eaLnBrk="1" latinLnBrk="0" hangingPunct="1">
+      <a:lvl5pPr marL="932688" indent="-182880" algn="l" defTabSz="914400" rtl="0" eaLnBrk="1" latinLnBrk="0" hangingPunct="1">
         <a:lnSpc>
           <a:spcPct val="90000"/>
         </a:lnSpc>
         <a:spcBef>
-          <a:spcPts val="500"/>
+          <a:spcPts val="200"/>
         </a:spcBef>
-        <a:buFont typeface="Arial" panose="020B0604020202020204" pitchFamily="34" charset="0"/>
-        <a:buChar char="•"/>
-        <a:defRPr sz="1800" kern="1200">
+        <a:spcAft>
+          <a:spcPts val="400"/>
+        </a:spcAft>
+        <a:buClr>
+          <a:schemeClr val="accent1"/>
+        </a:buClr>
+        <a:buFont typeface="Calibri" pitchFamily="34" charset="0"/>
+        <a:buChar char="◦"/>
+        <a:defRPr sz="1400" kern="1200">
           <a:solidFill>
-            <a:schemeClr val="tx1"/>
+            <a:schemeClr val="tx1">
+              <a:lumMod val="75000"/>
+              <a:lumOff val="25000"/>
+            </a:schemeClr>
           </a:solidFill>
           <a:latin typeface="+mn-lt"/>
           <a:ea typeface="+mn-ea"/>
           <a:cs typeface="+mn-cs"/>
         </a:defRPr>
       </a:lvl5pPr>
-      <a:lvl6pPr marL="2514600" indent="-228600" algn="l" defTabSz="914400" rtl="0" eaLnBrk="1" latinLnBrk="0" hangingPunct="1">
+      <a:lvl6pPr marL="1100000" indent="-228600" algn="l" defTabSz="914400" rtl="0" eaLnBrk="1" latinLnBrk="0" hangingPunct="1">
         <a:lnSpc>
           <a:spcPct val="90000"/>
         </a:lnSpc>
         <a:spcBef>
-          <a:spcPts val="500"/>
+          <a:spcPts val="200"/>
         </a:spcBef>
-        <a:buFont typeface="Arial" panose="020B0604020202020204" pitchFamily="34" charset="0"/>
-        <a:buChar char="•"/>
-        <a:defRPr sz="1800" kern="1200">
+        <a:spcAft>
+          <a:spcPts val="400"/>
+        </a:spcAft>
+        <a:buClr>
+          <a:schemeClr val="accent1"/>
+        </a:buClr>
+        <a:buFont typeface="Calibri" pitchFamily="34" charset="0"/>
+        <a:buChar char="◦"/>
+        <a:defRPr sz="1400" kern="1200">
           <a:solidFill>
-            <a:schemeClr val="tx1"/>
+            <a:schemeClr val="tx1">
+              <a:lumMod val="75000"/>
+              <a:lumOff val="25000"/>
+            </a:schemeClr>
           </a:solidFill>
           <a:latin typeface="+mn-lt"/>
           <a:ea typeface="+mn-ea"/>
           <a:cs typeface="+mn-cs"/>
         </a:defRPr>
       </a:lvl6pPr>
-      <a:lvl7pPr marL="2971800" indent="-228600" algn="l" defTabSz="914400" rtl="0" eaLnBrk="1" latinLnBrk="0" hangingPunct="1">
+      <a:lvl7pPr marL="1300000" indent="-228600" algn="l" defTabSz="914400" rtl="0" eaLnBrk="1" latinLnBrk="0" hangingPunct="1">
         <a:lnSpc>
           <a:spcPct val="90000"/>
         </a:lnSpc>
         <a:spcBef>
-          <a:spcPts val="500"/>
+          <a:spcPts val="200"/>
         </a:spcBef>
-        <a:buFont typeface="Arial" panose="020B0604020202020204" pitchFamily="34" charset="0"/>
-        <a:buChar char="•"/>
-        <a:defRPr sz="1800" kern="1200">
+        <a:spcAft>
+          <a:spcPts val="400"/>
+        </a:spcAft>
+        <a:buClr>
+          <a:schemeClr val="accent1"/>
+        </a:buClr>
+        <a:buFont typeface="Calibri" pitchFamily="34" charset="0"/>
+        <a:buChar char="◦"/>
+        <a:defRPr sz="1400" kern="1200">
           <a:solidFill>
-            <a:schemeClr val="tx1"/>
+            <a:schemeClr val="tx1">
+              <a:lumMod val="75000"/>
+              <a:lumOff val="25000"/>
+            </a:schemeClr>
           </a:solidFill>
           <a:latin typeface="+mn-lt"/>
           <a:ea typeface="+mn-ea"/>
           <a:cs typeface="+mn-cs"/>
         </a:defRPr>
       </a:lvl7pPr>
-      <a:lvl8pPr marL="3429000" indent="-228600" algn="l" defTabSz="914400" rtl="0" eaLnBrk="1" latinLnBrk="0" hangingPunct="1">
+      <a:lvl8pPr marL="1500000" indent="-228600" algn="l" defTabSz="914400" rtl="0" eaLnBrk="1" latinLnBrk="0" hangingPunct="1">
         <a:lnSpc>
           <a:spcPct val="90000"/>
         </a:lnSpc>
         <a:spcBef>
-          <a:spcPts val="500"/>
+          <a:spcPts val="200"/>
         </a:spcBef>
-        <a:buFont typeface="Arial" panose="020B0604020202020204" pitchFamily="34" charset="0"/>
-        <a:buChar char="•"/>
-        <a:defRPr sz="1800" kern="1200">
+        <a:spcAft>
+          <a:spcPts val="400"/>
+        </a:spcAft>
+        <a:buClr>
+          <a:schemeClr val="accent1"/>
+        </a:buClr>
+        <a:buFont typeface="Calibri" pitchFamily="34" charset="0"/>
+        <a:buChar char="◦"/>
+        <a:defRPr sz="1400" kern="1200">
           <a:solidFill>
-            <a:schemeClr val="tx1"/>
+            <a:schemeClr val="tx1">
+              <a:lumMod val="75000"/>
+              <a:lumOff val="25000"/>
+            </a:schemeClr>
           </a:solidFill>
           <a:latin typeface="+mn-lt"/>
           <a:ea typeface="+mn-ea"/>
           <a:cs typeface="+mn-cs"/>
         </a:defRPr>
       </a:lvl8pPr>
-      <a:lvl9pPr marL="3886200" indent="-228600" algn="l" defTabSz="914400" rtl="0" eaLnBrk="1" latinLnBrk="0" hangingPunct="1">
+      <a:lvl9pPr marL="1700000" indent="-228600" algn="l" defTabSz="914400" rtl="0" eaLnBrk="1" latinLnBrk="0" hangingPunct="1">
         <a:lnSpc>
           <a:spcPct val="90000"/>
         </a:lnSpc>
         <a:spcBef>
-          <a:spcPts val="500"/>
+          <a:spcPts val="200"/>
         </a:spcBef>
-        <a:buFont typeface="Arial" panose="020B0604020202020204" pitchFamily="34" charset="0"/>
-        <a:buChar char="•"/>
-        <a:defRPr sz="1800" kern="1200">
+        <a:spcAft>
+          <a:spcPts val="400"/>
+        </a:spcAft>
+        <a:buClr>
+          <a:schemeClr val="accent1"/>
+        </a:buClr>
+        <a:buFont typeface="Calibri" pitchFamily="34" charset="0"/>
+        <a:buChar char="◦"/>
+        <a:defRPr sz="1400" kern="1200">
           <a:solidFill>
-            <a:schemeClr val="tx1"/>
+            <a:schemeClr val="tx1">
+              <a:lumMod val="75000"/>
+              <a:lumOff val="25000"/>
+            </a:schemeClr>
           </a:solidFill>
           <a:latin typeface="+mn-lt"/>
           <a:ea typeface="+mn-ea"/>
@@ -4147,7 +4633,7 @@
           <a:bodyPr/>
           <a:lstStyle/>
           <a:p>
-            <a:endParaRPr lang="en-IN"/>
+            <a:endParaRPr lang="en-IN" dirty="0"/>
           </a:p>
         </p:txBody>
       </p:sp>
@@ -4203,13 +4689,13 @@
           <a:lstStyle/>
           <a:p>
             <a:r>
-              <a:rPr lang="en-IN" dirty="0" err="1"/>
-              <a:t>Saumya</a:t>
-            </a:r>
-            <a:r>
-              <a:rPr lang="en-IN" dirty="0"/>
-              <a:t> is Stupid</a:t>
-            </a:r>
+              <a:rPr lang="en-IN"/>
+              <a:t>Index</a:t>
+            </a:r>
+            <a:br>
+              <a:rPr lang="en-IN"/>
+            </a:br>
+            <a:endParaRPr lang="en-IN" dirty="0"/>
           </a:p>
         </p:txBody>
       </p:sp>
@@ -4252,54 +4738,54 @@
 </file>
 
 <file path=ppt/theme/theme1.xml><?xml version="1.0" encoding="utf-8"?>
-<a:theme xmlns:a="http://schemas.openxmlformats.org/drawingml/2006/main" name="Office Theme">
+<a:theme xmlns:a="http://schemas.openxmlformats.org/drawingml/2006/main" name="Retrospect">
   <a:themeElements>
-    <a:clrScheme name="Office">
+    <a:clrScheme name="Retrospect">
       <a:dk1>
-        <a:sysClr val="windowText" lastClr="000000"/>
+        <a:srgbClr val="000000"/>
       </a:dk1>
       <a:lt1>
         <a:sysClr val="window" lastClr="FFFFFF"/>
       </a:lt1>
       <a:dk2>
-        <a:srgbClr val="44546A"/>
+        <a:srgbClr val="637052"/>
       </a:dk2>
       <a:lt2>
-        <a:srgbClr val="E7E6E6"/>
+        <a:srgbClr val="CCDDEA"/>
       </a:lt2>
       <a:accent1>
-        <a:srgbClr val="4472C4"/>
+        <a:srgbClr val="E48312"/>
       </a:accent1>
       <a:accent2>
-        <a:srgbClr val="ED7D31"/>
+        <a:srgbClr val="BD582C"/>
       </a:accent2>
       <a:accent3>
-        <a:srgbClr val="A5A5A5"/>
+        <a:srgbClr val="865640"/>
       </a:accent3>
       <a:accent4>
-        <a:srgbClr val="FFC000"/>
+        <a:srgbClr val="9B8357"/>
       </a:accent4>
       <a:accent5>
-        <a:srgbClr val="5B9BD5"/>
+        <a:srgbClr val="C2BC80"/>
       </a:accent5>
       <a:accent6>
-        <a:srgbClr val="70AD47"/>
+        <a:srgbClr val="94A088"/>
       </a:accent6>
       <a:hlink>
-        <a:srgbClr val="0563C1"/>
+        <a:srgbClr val="2998E3"/>
       </a:hlink>
       <a:folHlink>
-        <a:srgbClr val="954F72"/>
+        <a:srgbClr val="8C8C8C"/>
       </a:folHlink>
     </a:clrScheme>
-    <a:fontScheme name="Office">
+    <a:fontScheme name="Retrospect">
       <a:majorFont>
         <a:latin typeface="Calibri Light" panose="020F0302020204030204"/>
         <a:ea typeface=""/>
         <a:cs typeface=""/>
-        <a:font script="Jpan" typeface="游ゴシック Light"/>
+        <a:font script="Jpan" typeface="ＭＳ Ｐゴシック"/>
         <a:font script="Hang" typeface="맑은 고딕"/>
-        <a:font script="Hans" typeface="等线 Light"/>
+        <a:font script="Hans" typeface="宋体"/>
         <a:font script="Hant" typeface="新細明體"/>
         <a:font script="Arab" typeface="Times New Roman"/>
         <a:font script="Hebr" typeface="Times New Roman"/>
@@ -4327,31 +4813,14 @@
         <a:font script="Viet" typeface="Times New Roman"/>
         <a:font script="Uigh" typeface="Microsoft Uighur"/>
         <a:font script="Geor" typeface="Sylfaen"/>
-        <a:font script="Armn" typeface="Arial"/>
-        <a:font script="Bugi" typeface="Leelawadee UI"/>
-        <a:font script="Bopo" typeface="Microsoft JhengHei"/>
-        <a:font script="Java" typeface="Javanese Text"/>
-        <a:font script="Lisu" typeface="Segoe UI"/>
-        <a:font script="Mymr" typeface="Myanmar Text"/>
-        <a:font script="Nkoo" typeface="Ebrima"/>
-        <a:font script="Olck" typeface="Nirmala UI"/>
-        <a:font script="Osma" typeface="Ebrima"/>
-        <a:font script="Phag" typeface="Phagspa"/>
-        <a:font script="Syrn" typeface="Estrangelo Edessa"/>
-        <a:font script="Syrj" typeface="Estrangelo Edessa"/>
-        <a:font script="Syre" typeface="Estrangelo Edessa"/>
-        <a:font script="Sora" typeface="Nirmala UI"/>
-        <a:font script="Tale" typeface="Microsoft Tai Le"/>
-        <a:font script="Talu" typeface="Microsoft New Tai Lue"/>
-        <a:font script="Tfng" typeface="Ebrima"/>
       </a:majorFont>
       <a:minorFont>
         <a:latin typeface="Calibri" panose="020F0502020204030204"/>
         <a:ea typeface=""/>
         <a:cs typeface=""/>
-        <a:font script="Jpan" typeface="游ゴシック"/>
+        <a:font script="Jpan" typeface="ＭＳ Ｐゴシック"/>
         <a:font script="Hang" typeface="맑은 고딕"/>
-        <a:font script="Hans" typeface="等线"/>
+        <a:font script="Hans" typeface="宋体"/>
         <a:font script="Hant" typeface="新細明體"/>
         <a:font script="Arab" typeface="Arial"/>
         <a:font script="Hebr" typeface="Arial"/>
@@ -4379,26 +4848,9 @@
         <a:font script="Viet" typeface="Arial"/>
         <a:font script="Uigh" typeface="Microsoft Uighur"/>
         <a:font script="Geor" typeface="Sylfaen"/>
-        <a:font script="Armn" typeface="Arial"/>
-        <a:font script="Bugi" typeface="Leelawadee UI"/>
-        <a:font script="Bopo" typeface="Microsoft JhengHei"/>
-        <a:font script="Java" typeface="Javanese Text"/>
-        <a:font script="Lisu" typeface="Segoe UI"/>
-        <a:font script="Mymr" typeface="Myanmar Text"/>
-        <a:font script="Nkoo" typeface="Ebrima"/>
-        <a:font script="Olck" typeface="Nirmala UI"/>
-        <a:font script="Osma" typeface="Ebrima"/>
-        <a:font script="Phag" typeface="Phagspa"/>
-        <a:font script="Syrn" typeface="Estrangelo Edessa"/>
-        <a:font script="Syrj" typeface="Estrangelo Edessa"/>
-        <a:font script="Syre" typeface="Estrangelo Edessa"/>
-        <a:font script="Sora" typeface="Nirmala UI"/>
-        <a:font script="Tale" typeface="Microsoft Tai Le"/>
-        <a:font script="Talu" typeface="Microsoft New Tai Lue"/>
-        <a:font script="Tfng" typeface="Ebrima"/>
       </a:minorFont>
     </a:fontScheme>
-    <a:fmtScheme name="Office">
+    <a:fmtScheme name="Retrospect">
       <a:fillStyleLst>
         <a:solidFill>
           <a:schemeClr val="phClr"/>
@@ -4407,76 +4859,81 @@
           <a:gsLst>
             <a:gs pos="0">
               <a:schemeClr val="phClr">
-                <a:lumMod val="110000"/>
-                <a:satMod val="105000"/>
-                <a:tint val="67000"/>
+                <a:tint val="65000"/>
+                <a:shade val="92000"/>
+                <a:satMod val="130000"/>
               </a:schemeClr>
             </a:gs>
-            <a:gs pos="50000">
+            <a:gs pos="45000">
               <a:schemeClr val="phClr">
-                <a:lumMod val="105000"/>
-                <a:satMod val="103000"/>
-                <a:tint val="73000"/>
+                <a:tint val="60000"/>
+                <a:shade val="99000"/>
+                <a:satMod val="120000"/>
               </a:schemeClr>
             </a:gs>
             <a:gs pos="100000">
               <a:schemeClr val="phClr">
-                <a:lumMod val="105000"/>
-                <a:satMod val="109000"/>
-                <a:tint val="81000"/>
+                <a:tint val="55000"/>
+                <a:satMod val="140000"/>
               </a:schemeClr>
             </a:gs>
           </a:gsLst>
-          <a:lin ang="5400000" scaled="0"/>
+          <a:path path="circle">
+            <a:fillToRect l="100000" t="100000" r="100000" b="100000"/>
+          </a:path>
         </a:gradFill>
         <a:gradFill rotWithShape="1">
           <a:gsLst>
             <a:gs pos="0">
               <a:schemeClr val="phClr">
-                <a:satMod val="103000"/>
-                <a:lumMod val="102000"/>
-                <a:tint val="94000"/>
+                <a:shade val="85000"/>
+                <a:satMod val="130000"/>
               </a:schemeClr>
             </a:gs>
-            <a:gs pos="50000">
+            <a:gs pos="34000">
               <a:schemeClr val="phClr">
-                <a:satMod val="110000"/>
-                <a:lumMod val="100000"/>
-                <a:shade val="100000"/>
+                <a:shade val="87000"/>
+                <a:satMod val="125000"/>
+              </a:schemeClr>
+            </a:gs>
+            <a:gs pos="70000">
+              <a:schemeClr val="phClr">
+                <a:tint val="100000"/>
+                <a:shade val="90000"/>
+                <a:satMod val="130000"/>
               </a:schemeClr>
             </a:gs>
             <a:gs pos="100000">
               <a:schemeClr val="phClr">
-                <a:lumMod val="99000"/>
-                <a:satMod val="120000"/>
-                <a:shade val="78000"/>
+                <a:tint val="100000"/>
+                <a:shade val="100000"/>
+                <a:satMod val="110000"/>
               </a:schemeClr>
             </a:gs>
           </a:gsLst>
-          <a:lin ang="5400000" scaled="0"/>
+          <a:path path="circle">
+            <a:fillToRect l="100000" t="100000" r="100000" b="100000"/>
+          </a:path>
         </a:gradFill>
       </a:fillStyleLst>
       <a:lnStyleLst>
-        <a:ln w="6350" cap="flat" cmpd="sng" algn="ctr">
-          <a:solidFill>
-            <a:schemeClr val="phClr"/>
-          </a:solidFill>
-          <a:prstDash val="solid"/>
-          <a:miter lim="800000"/>
-        </a:ln>
         <a:ln w="12700" cap="flat" cmpd="sng" algn="ctr">
           <a:solidFill>
             <a:schemeClr val="phClr"/>
           </a:solidFill>
           <a:prstDash val="solid"/>
-          <a:miter lim="800000"/>
         </a:ln>
-        <a:ln w="19050" cap="flat" cmpd="sng" algn="ctr">
+        <a:ln w="15875" cap="flat" cmpd="sng" algn="ctr">
           <a:solidFill>
             <a:schemeClr val="phClr"/>
           </a:solidFill>
           <a:prstDash val="solid"/>
-          <a:miter lim="800000"/>
+        </a:ln>
+        <a:ln w="25400" cap="flat" cmpd="sng" algn="ctr">
+          <a:solidFill>
+            <a:schemeClr val="phClr"/>
+          </a:solidFill>
+          <a:prstDash val="solid"/>
         </a:ln>
       </a:lnStyleLst>
       <a:effectStyleLst>
@@ -4484,16 +4941,33 @@
           <a:effectLst/>
         </a:effectStyle>
         <a:effectStyle>
-          <a:effectLst/>
+          <a:effectLst>
+            <a:outerShdw blurRad="38100" dist="25400" dir="2700000" algn="br" rotWithShape="0">
+              <a:srgbClr val="000000">
+                <a:alpha val="60000"/>
+              </a:srgbClr>
+            </a:outerShdw>
+          </a:effectLst>
         </a:effectStyle>
         <a:effectStyle>
           <a:effectLst>
-            <a:outerShdw blurRad="57150" dist="19050" dir="5400000" algn="ctr" rotWithShape="0">
+            <a:outerShdw blurRad="44450" dist="25400" dir="2700000" algn="br" rotWithShape="0">
               <a:srgbClr val="000000">
-                <a:alpha val="63000"/>
+                <a:alpha val="60000"/>
               </a:srgbClr>
             </a:outerShdw>
           </a:effectLst>
+          <a:scene3d>
+            <a:camera prst="orthographicFront">
+              <a:rot lat="0" lon="0" rev="0"/>
+            </a:camera>
+            <a:lightRig rig="threePt" dir="t">
+              <a:rot lat="0" lon="0" rev="19800000"/>
+            </a:lightRig>
+          </a:scene3d>
+          <a:sp3d prstMaterial="flat">
+            <a:bevelT w="25400" h="31750"/>
+          </a:sp3d>
         </a:effectStyle>
       </a:effectStyleLst>
       <a:bgFillStyleLst>
@@ -4502,36 +4976,36 @@
         </a:solidFill>
         <a:solidFill>
           <a:schemeClr val="phClr">
-            <a:tint val="95000"/>
-            <a:satMod val="170000"/>
+            <a:tint val="90000"/>
+            <a:shade val="97000"/>
+            <a:satMod val="130000"/>
           </a:schemeClr>
         </a:solidFill>
         <a:gradFill rotWithShape="1">
           <a:gsLst>
             <a:gs pos="0">
               <a:schemeClr val="phClr">
-                <a:tint val="93000"/>
-                <a:satMod val="150000"/>
-                <a:shade val="98000"/>
-                <a:lumMod val="102000"/>
+                <a:tint val="96000"/>
+                <a:shade val="99000"/>
+                <a:satMod val="140000"/>
               </a:schemeClr>
             </a:gs>
-            <a:gs pos="50000">
+            <a:gs pos="65000">
               <a:schemeClr val="phClr">
-                <a:tint val="98000"/>
+                <a:tint val="100000"/>
+                <a:shade val="80000"/>
                 <a:satMod val="130000"/>
-                <a:shade val="90000"/>
-                <a:lumMod val="103000"/>
               </a:schemeClr>
             </a:gs>
             <a:gs pos="100000">
               <a:schemeClr val="phClr">
-                <a:shade val="63000"/>
+                <a:tint val="100000"/>
+                <a:shade val="48000"/>
                 <a:satMod val="120000"/>
               </a:schemeClr>
             </a:gs>
           </a:gsLst>
-          <a:lin ang="5400000" scaled="0"/>
+          <a:lin ang="16200000" scaled="0"/>
         </a:gradFill>
       </a:bgFillStyleLst>
     </a:fmtScheme>
@@ -4540,7 +5014,7 @@
   <a:extraClrSchemeLst/>
   <a:extLst>
     <a:ext uri="{05A4C25C-085E-4340-85A3-A5531E510DB2}">
-      <thm15:themeFamily xmlns:thm15="http://schemas.microsoft.com/office/thememl/2012/main" name="Office Theme" id="{62F939B6-93AF-4DB8-9C6B-D6C7DFDC589F}" vid="{4A3C46E8-61CC-4603-A589-7422A47A8E4A}"/>
+      <thm15:themeFamily xmlns:thm15="http://schemas.microsoft.com/office/thememl/2012/main" name="Retrospect" id="{5F128B03-DCCA-4EEB-AB3B-CF2899314A46}" vid="{3F1AAB62-24C6-49D2-8E01-B56FAC9A3DCD}"/>
     </a:ext>
   </a:extLst>
 </a:theme>
